--- a/spring13/slides13/simple-degrees.pptx
+++ b/spring13/slides13/simple-degrees.pptx
@@ -3925,7 +3925,7 @@
           <a:graphicData uri="http://schemas.openxmlformats.org/presentationml/2006/ole">
             <mc:AlternateContent xmlns:mc="http://schemas.openxmlformats.org/markup-compatibility/2006">
               <mc:Choice xmlns:v="urn:schemas-microsoft-com:vml" Requires="v">
-                <p:oleObj spid="_x0000_s576552" name="Equation" r:id="rId4" imgW="1346040" imgH="406080" progId="Equation.DSMT4">
+                <p:oleObj spid="_x0000_s576555" name="Equation" r:id="rId4" imgW="1346040" imgH="406080" progId="Equation.DSMT4">
                   <p:embed/>
                 </p:oleObj>
               </mc:Choice>
@@ -5733,7 +5733,7 @@
           <a:graphicData uri="http://schemas.openxmlformats.org/presentationml/2006/ole">
             <mc:AlternateContent xmlns:mc="http://schemas.openxmlformats.org/markup-compatibility/2006">
               <mc:Choice xmlns:v="urn:schemas-microsoft-com:vml" Requires="v">
-                <p:oleObj spid="_x0000_s1097" name="Equation" r:id="rId4" imgW="1777680" imgH="342720" progId="Equation.DSMT4">
+                <p:oleObj spid="_x0000_s1110" name="Equation" r:id="rId4" imgW="1777680" imgH="342720" progId="Equation.DSMT4">
                   <p:embed/>
                 </p:oleObj>
               </mc:Choice>
@@ -5869,7 +5869,7 @@
           <a:graphicData uri="http://schemas.openxmlformats.org/presentationml/2006/ole">
             <mc:AlternateContent xmlns:mc="http://schemas.openxmlformats.org/markup-compatibility/2006">
               <mc:Choice xmlns:v="urn:schemas-microsoft-com:vml" Requires="v">
-                <p:oleObj spid="_x0000_s1098" name="Equation" r:id="rId6" imgW="1828800" imgH="571320" progId="Equation.DSMT4">
+                <p:oleObj spid="_x0000_s1111" name="Equation" r:id="rId6" imgW="1828800" imgH="571320" progId="Equation.DSMT4">
                   <p:embed/>
                 </p:oleObj>
               </mc:Choice>
@@ -5945,7 +5945,7 @@
           <a:graphicData uri="http://schemas.openxmlformats.org/presentationml/2006/ole">
             <mc:AlternateContent xmlns:mc="http://schemas.openxmlformats.org/markup-compatibility/2006">
               <mc:Choice xmlns:v="urn:schemas-microsoft-com:vml" Requires="v">
-                <p:oleObj spid="_x0000_s1099" name="Equation" r:id="rId8" imgW="660400" imgH="419100" progId="Equation.DSMT4">
+                <p:oleObj spid="_x0000_s1112" name="Equation" r:id="rId8" imgW="660400" imgH="419100" progId="Equation.DSMT4">
                   <p:embed/>
                 </p:oleObj>
               </mc:Choice>
@@ -6015,7 +6015,7 @@
           <a:graphicData uri="http://schemas.openxmlformats.org/presentationml/2006/ole">
             <mc:AlternateContent xmlns:mc="http://schemas.openxmlformats.org/markup-compatibility/2006">
               <mc:Choice xmlns:v="urn:schemas-microsoft-com:vml" Requires="v">
-                <p:oleObj spid="_x0000_s1100" name="Equation" r:id="rId10" imgW="660400" imgH="419100" progId="Equation.DSMT4">
+                <p:oleObj spid="_x0000_s1113" name="Equation" r:id="rId10" imgW="660400" imgH="419100" progId="Equation.DSMT4">
                   <p:embed/>
                 </p:oleObj>
               </mc:Choice>
@@ -6134,7 +6134,7 @@
                                     </p:set>
                                     <p:animEffect transition="in" filter="wipe(left)">
                                       <p:cBhvr>
-                                        <p:cTn id="7" dur="500"/>
+                                        <p:cTn id="7" dur="1000"/>
                                         <p:tgtEl>
                                           <p:spTgt spid="653316"/>
                                         </p:tgtEl>
@@ -6162,7 +6162,7 @@
                             </p:stCondLst>
                             <p:childTnLst>
                               <p:par>
-                                <p:cTn id="10" presetID="1" presetClass="entr" presetSubtype="0" fill="hold" grpId="0" nodeType="clickEffect">
+                                <p:cTn id="10" presetID="10" presetClass="entr" presetSubtype="0" fill="hold" grpId="0" nodeType="clickEffect">
                                   <p:stCondLst>
                                     <p:cond delay="0"/>
                                   </p:stCondLst>
@@ -6185,6 +6185,14 @@
                                         <p:strVal val="visible"/>
                                       </p:to>
                                     </p:set>
+                                    <p:animEffect transition="in" filter="fade">
+                                      <p:cBhvr>
+                                        <p:cTn id="12" dur="500"/>
+                                        <p:tgtEl>
+                                          <p:spTgt spid="653317"/>
+                                        </p:tgtEl>
+                                      </p:cBhvr>
+                                    </p:animEffect>
                                   </p:childTnLst>
                                 </p:cTn>
                               </p:par>
@@ -6195,26 +6203,26 @@
                     </p:cTn>
                   </p:par>
                   <p:par>
-                    <p:cTn id="12" fill="hold">
+                    <p:cTn id="13" fill="hold">
                       <p:stCondLst>
                         <p:cond delay="indefinite"/>
                       </p:stCondLst>
                       <p:childTnLst>
                         <p:par>
-                          <p:cTn id="13" fill="hold">
+                          <p:cTn id="14" fill="hold">
                             <p:stCondLst>
                               <p:cond delay="0"/>
                             </p:stCondLst>
                             <p:childTnLst>
                               <p:par>
-                                <p:cTn id="14" presetID="22" presetClass="entr" presetSubtype="8" fill="hold" nodeType="clickEffect">
+                                <p:cTn id="15" presetID="22" presetClass="entr" presetSubtype="8" fill="hold" nodeType="clickEffect">
                                   <p:stCondLst>
                                     <p:cond delay="0"/>
                                   </p:stCondLst>
                                   <p:childTnLst>
                                     <p:set>
                                       <p:cBhvr>
-                                        <p:cTn id="15" dur="1" fill="hold">
+                                        <p:cTn id="16" dur="1" fill="hold">
                                           <p:stCondLst>
                                             <p:cond delay="0"/>
                                           </p:stCondLst>
@@ -6232,7 +6240,7 @@
                                     </p:set>
                                     <p:animEffect transition="in" filter="wipe(left)">
                                       <p:cBhvr>
-                                        <p:cTn id="16" dur="500"/>
+                                        <p:cTn id="17" dur="1000"/>
                                         <p:tgtEl>
                                           <p:spTgt spid="653320"/>
                                         </p:tgtEl>
@@ -6248,26 +6256,26 @@
                     </p:cTn>
                   </p:par>
                   <p:par>
-                    <p:cTn id="17" fill="hold">
+                    <p:cTn id="18" fill="hold">
                       <p:stCondLst>
                         <p:cond delay="indefinite"/>
                       </p:stCondLst>
                       <p:childTnLst>
                         <p:par>
-                          <p:cTn id="18" fill="hold">
+                          <p:cTn id="19" fill="hold">
                             <p:stCondLst>
                               <p:cond delay="0"/>
                             </p:stCondLst>
                             <p:childTnLst>
                               <p:par>
-                                <p:cTn id="19" presetID="1" presetClass="entr" presetSubtype="0" fill="hold" nodeType="clickEffect">
+                                <p:cTn id="20" presetID="10" presetClass="entr" presetSubtype="0" fill="hold" nodeType="clickEffect">
                                   <p:stCondLst>
                                     <p:cond delay="0"/>
                                   </p:stCondLst>
                                   <p:childTnLst>
                                     <p:set>
                                       <p:cBhvr>
-                                        <p:cTn id="20" dur="1" fill="hold">
+                                        <p:cTn id="21" dur="1" fill="hold">
                                           <p:stCondLst>
                                             <p:cond delay="0"/>
                                           </p:stCondLst>
@@ -6283,6 +6291,14 @@
                                         <p:strVal val="visible"/>
                                       </p:to>
                                     </p:set>
+                                    <p:animEffect transition="in" filter="fade">
+                                      <p:cBhvr>
+                                        <p:cTn id="22" dur="500"/>
+                                        <p:tgtEl>
+                                          <p:spTgt spid="653321"/>
+                                        </p:tgtEl>
+                                      </p:cBhvr>
+                                    </p:animEffect>
                                   </p:childTnLst>
                                 </p:cTn>
                               </p:par>
@@ -6293,26 +6309,26 @@
                     </p:cTn>
                   </p:par>
                   <p:par>
-                    <p:cTn id="21" fill="hold">
+                    <p:cTn id="23" fill="hold">
                       <p:stCondLst>
                         <p:cond delay="indefinite"/>
                       </p:stCondLst>
                       <p:childTnLst>
                         <p:par>
-                          <p:cTn id="22" fill="hold">
+                          <p:cTn id="24" fill="hold">
                             <p:stCondLst>
                               <p:cond delay="0"/>
                             </p:stCondLst>
                             <p:childTnLst>
                               <p:par>
-                                <p:cTn id="23" presetID="1" presetClass="entr" presetSubtype="0" fill="hold" nodeType="clickEffect">
+                                <p:cTn id="25" presetID="10" presetClass="entr" presetSubtype="0" fill="hold" nodeType="clickEffect">
                                   <p:stCondLst>
                                     <p:cond delay="0"/>
                                   </p:stCondLst>
                                   <p:childTnLst>
                                     <p:set>
                                       <p:cBhvr>
-                                        <p:cTn id="24" dur="1" fill="hold">
+                                        <p:cTn id="26" dur="1" fill="hold">
                                           <p:stCondLst>
                                             <p:cond delay="0"/>
                                           </p:stCondLst>
@@ -6328,6 +6344,14 @@
                                         <p:strVal val="visible"/>
                                       </p:to>
                                     </p:set>
+                                    <p:animEffect transition="in" filter="fade">
+                                      <p:cBhvr>
+                                        <p:cTn id="27" dur="500"/>
+                                        <p:tgtEl>
+                                          <p:spTgt spid="653322"/>
+                                        </p:tgtEl>
+                                      </p:cBhvr>
+                                    </p:animEffect>
                                   </p:childTnLst>
                                 </p:cTn>
                               </p:par>
@@ -6426,7 +6450,7 @@
           <a:graphicData uri="http://schemas.openxmlformats.org/presentationml/2006/ole">
             <mc:AlternateContent xmlns:mc="http://schemas.openxmlformats.org/markup-compatibility/2006">
               <mc:Choice xmlns:v="urn:schemas-microsoft-com:vml" Requires="v">
-                <p:oleObj spid="_x0000_s655394" name="Equation" r:id="rId4" imgW="2273040" imgH="469800" progId="Equation.DSMT4">
+                <p:oleObj spid="_x0000_s655397" name="Equation" r:id="rId4" imgW="2273040" imgH="469800" progId="Equation.DSMT4">
                   <p:embed/>
                 </p:oleObj>
               </mc:Choice>
@@ -7229,18 +7253,16 @@
       </p:sp>
       <p:grpSp>
         <p:nvGrpSpPr>
-          <p:cNvPr id="560171" name="Group 43"/>
-          <p:cNvGrpSpPr>
-            <a:grpSpLocks/>
-          </p:cNvGrpSpPr>
+          <p:cNvPr id="4" name="Group 3"/>
+          <p:cNvGrpSpPr/>
           <p:nvPr/>
         </p:nvGrpSpPr>
-        <p:grpSpPr bwMode="auto">
+        <p:grpSpPr>
           <a:xfrm>
             <a:off x="5208588" y="1382713"/>
-            <a:ext cx="3490912" cy="2236787"/>
-            <a:chOff x="494" y="1047"/>
-            <a:chExt cx="2199" cy="1409"/>
+            <a:ext cx="3490912" cy="2127250"/>
+            <a:chOff x="5208588" y="1382713"/>
+            <a:chExt cx="3490912" cy="2127250"/>
           </a:xfrm>
         </p:grpSpPr>
         <p:sp>
@@ -7253,8 +7275,8 @@
           </p:nvSpPr>
           <p:spPr bwMode="auto">
             <a:xfrm>
-              <a:off x="494" y="1047"/>
-              <a:ext cx="2199" cy="404"/>
+              <a:off x="5208588" y="1382713"/>
+              <a:ext cx="3490912" cy="641350"/>
             </a:xfrm>
             <a:prstGeom prst="rect">
               <a:avLst/>
@@ -7298,8 +7320,8 @@
           </p:nvSpPr>
           <p:spPr bwMode="auto">
             <a:xfrm>
-              <a:off x="657" y="1859"/>
-              <a:ext cx="144" cy="144"/>
+              <a:off x="5467350" y="2671763"/>
+              <a:ext cx="228600" cy="228600"/>
             </a:xfrm>
             <a:prstGeom prst="ellipse">
               <a:avLst/>
@@ -7335,8 +7357,8 @@
           </p:nvSpPr>
           <p:spPr bwMode="auto">
             <a:xfrm>
-              <a:off x="1617" y="1571"/>
-              <a:ext cx="144" cy="144"/>
+              <a:off x="6991350" y="2214563"/>
+              <a:ext cx="228600" cy="228600"/>
             </a:xfrm>
             <a:prstGeom prst="ellipse">
               <a:avLst/>
@@ -7372,8 +7394,8 @@
           </p:nvSpPr>
           <p:spPr bwMode="auto">
             <a:xfrm>
-              <a:off x="2433" y="1811"/>
-              <a:ext cx="144" cy="144"/>
+              <a:off x="8286750" y="2595563"/>
+              <a:ext cx="228600" cy="228600"/>
             </a:xfrm>
             <a:prstGeom prst="ellipse">
               <a:avLst/>
@@ -7409,8 +7431,8 @@
           </p:nvSpPr>
           <p:spPr bwMode="auto">
             <a:xfrm>
-              <a:off x="1617" y="2243"/>
-              <a:ext cx="144" cy="144"/>
+              <a:off x="6991350" y="3281363"/>
+              <a:ext cx="228600" cy="228600"/>
             </a:xfrm>
             <a:prstGeom prst="ellipse">
               <a:avLst/>
@@ -7448,8 +7470,8 @@
           </p:nvCxnSpPr>
           <p:spPr bwMode="auto">
             <a:xfrm flipV="1">
-              <a:off x="780" y="1592"/>
-              <a:ext cx="858" cy="390"/>
+              <a:off x="5662613" y="2247900"/>
+              <a:ext cx="1362075" cy="619125"/>
             </a:xfrm>
             <a:prstGeom prst="straightConnector1">
               <a:avLst/>
@@ -7478,8 +7500,8 @@
           </p:nvCxnSpPr>
           <p:spPr bwMode="auto">
             <a:xfrm>
-              <a:off x="729" y="2003"/>
-              <a:ext cx="960" cy="240"/>
+              <a:off x="5581650" y="2900363"/>
+              <a:ext cx="1524000" cy="381000"/>
             </a:xfrm>
             <a:prstGeom prst="straightConnector1">
               <a:avLst/>
@@ -7508,8 +7530,8 @@
           </p:nvCxnSpPr>
           <p:spPr bwMode="auto">
             <a:xfrm flipV="1">
-              <a:off x="1689" y="1715"/>
-              <a:ext cx="0" cy="528"/>
+              <a:off x="7105650" y="2443163"/>
+              <a:ext cx="0" cy="838200"/>
             </a:xfrm>
             <a:prstGeom prst="straightConnector1">
               <a:avLst/>
@@ -7538,8 +7560,8 @@
           </p:nvCxnSpPr>
           <p:spPr bwMode="auto">
             <a:xfrm flipV="1">
-              <a:off x="1689" y="1934"/>
-              <a:ext cx="765" cy="309"/>
+              <a:off x="7105650" y="2790825"/>
+              <a:ext cx="1214437" cy="490537"/>
             </a:xfrm>
             <a:prstGeom prst="straightConnector1">
               <a:avLst/>
@@ -7556,6 +7578,21 @@
             <a:effectLst/>
           </p:spPr>
         </p:cxnSp>
+      </p:grpSp>
+      <p:grpSp>
+        <p:nvGrpSpPr>
+          <p:cNvPr id="2" name="Group 1"/>
+          <p:cNvGrpSpPr/>
+          <p:nvPr/>
+        </p:nvGrpSpPr>
+        <p:grpSpPr>
+          <a:xfrm>
+            <a:off x="5529263" y="2082800"/>
+            <a:ext cx="3086100" cy="1536700"/>
+            <a:chOff x="5529263" y="2082800"/>
+            <a:chExt cx="3086100" cy="1536700"/>
+          </a:xfrm>
+        </p:grpSpPr>
         <p:sp>
           <p:nvSpPr>
             <p:cNvPr id="560141" name="Freeform 13"/>
@@ -7566,8 +7603,8 @@
           </p:nvSpPr>
           <p:spPr bwMode="auto">
             <a:xfrm>
-              <a:off x="2280" y="1488"/>
-              <a:ext cx="360" cy="376"/>
+              <a:off x="8043863" y="2082800"/>
+              <a:ext cx="571500" cy="596900"/>
             </a:xfrm>
             <a:custGeom>
               <a:avLst/>
@@ -7641,8 +7678,8 @@
           </p:nvSpPr>
           <p:spPr bwMode="auto">
             <a:xfrm>
-              <a:off x="696" y="2016"/>
-              <a:ext cx="912" cy="440"/>
+              <a:off x="5529263" y="2921000"/>
+              <a:ext cx="1447800" cy="698500"/>
             </a:xfrm>
             <a:custGeom>
               <a:avLst/>
@@ -8053,11 +8090,11 @@
                 <a:buNone/>
               </a:pPr>
               <a:r>
-                <a:rPr lang="en-US" sz="3600"/>
+                <a:rPr lang="en-US" sz="3600" dirty="0"/>
                 <a:t> </a:t>
               </a:r>
               <a:r>
-                <a:rPr lang="en-US" sz="4400" b="1"/>
+                <a:rPr lang="en-US" sz="4400" b="1" dirty="0"/>
                 <a:t>Simple</a:t>
               </a:r>
             </a:p>
@@ -8070,7 +8107,7 @@
                 <a:buNone/>
               </a:pPr>
               <a:r>
-                <a:rPr lang="en-US" sz="4400" b="1"/>
+                <a:rPr lang="en-US" sz="4400" b="1" dirty="0"/>
                 <a:t>Graph</a:t>
               </a:r>
             </a:p>
@@ -8574,6 +8611,9 @@
                     <p:cTn id="3" fill="hold">
                       <p:stCondLst>
                         <p:cond delay="indefinite"/>
+                        <p:cond evt="onBegin" delay="0">
+                          <p:tn val="2"/>
+                        </p:cond>
                       </p:stCondLst>
                       <p:childTnLst>
                         <p:par>
@@ -8583,7 +8623,7 @@
                             </p:stCondLst>
                             <p:childTnLst>
                               <p:par>
-                                <p:cTn id="5" presetID="9" presetClass="entr" presetSubtype="0" fill="hold" nodeType="clickEffect">
+                                <p:cTn id="5" presetID="9" presetClass="entr" presetSubtype="0" fill="hold" grpId="0" nodeType="afterEffect">
                                   <p:stCondLst>
                                     <p:cond delay="0"/>
                                   </p:stCondLst>
@@ -8596,7 +8636,7 @@
                                           </p:stCondLst>
                                         </p:cTn>
                                         <p:tgtEl>
-                                          <p:spTgt spid="560171"/>
+                                          <p:spTgt spid="38"/>
                                         </p:tgtEl>
                                         <p:attrNameLst>
                                           <p:attrName>style.visibility</p:attrName>
@@ -8610,7 +8650,7 @@
                                       <p:cBhvr>
                                         <p:cTn id="7" dur="500"/>
                                         <p:tgtEl>
-                                          <p:spTgt spid="560171"/>
+                                          <p:spTgt spid="38"/>
                                         </p:tgtEl>
                                       </p:cBhvr>
                                     </p:animEffect>
@@ -8636,7 +8676,7 @@
                             </p:stCondLst>
                             <p:childTnLst>
                               <p:par>
-                                <p:cTn id="10" presetID="9" presetClass="entr" presetSubtype="0" fill="hold" nodeType="clickEffect">
+                                <p:cTn id="10" presetID="10" presetClass="entr" presetSubtype="0" fill="hold" nodeType="clickEffect">
                                   <p:stCondLst>
                                     <p:cond delay="0"/>
                                   </p:stCondLst>
@@ -8644,6 +8684,138 @@
                                     <p:set>
                                       <p:cBhvr>
                                         <p:cTn id="11" dur="1" fill="hold">
+                                          <p:stCondLst>
+                                            <p:cond delay="0"/>
+                                          </p:stCondLst>
+                                        </p:cTn>
+                                        <p:tgtEl>
+                                          <p:spTgt spid="560172"/>
+                                        </p:tgtEl>
+                                        <p:attrNameLst>
+                                          <p:attrName>style.visibility</p:attrName>
+                                        </p:attrNameLst>
+                                      </p:cBhvr>
+                                      <p:to>
+                                        <p:strVal val="visible"/>
+                                      </p:to>
+                                    </p:set>
+                                    <p:animEffect transition="in" filter="fade">
+                                      <p:cBhvr>
+                                        <p:cTn id="12" dur="500"/>
+                                        <p:tgtEl>
+                                          <p:spTgt spid="560172"/>
+                                        </p:tgtEl>
+                                      </p:cBhvr>
+                                    </p:animEffect>
+                                  </p:childTnLst>
+                                </p:cTn>
+                              </p:par>
+                            </p:childTnLst>
+                          </p:cTn>
+                        </p:par>
+                        <p:par>
+                          <p:cTn id="13" fill="hold">
+                            <p:stCondLst>
+                              <p:cond delay="500"/>
+                            </p:stCondLst>
+                            <p:childTnLst>
+                              <p:par>
+                                <p:cTn id="14" presetID="9" presetClass="entr" presetSubtype="0" fill="hold" grpId="0" nodeType="afterEffect">
+                                  <p:stCondLst>
+                                    <p:cond delay="0"/>
+                                  </p:stCondLst>
+                                  <p:childTnLst>
+                                    <p:set>
+                                      <p:cBhvr>
+                                        <p:cTn id="15" dur="1" fill="hold">
+                                          <p:stCondLst>
+                                            <p:cond delay="0"/>
+                                          </p:stCondLst>
+                                        </p:cTn>
+                                        <p:tgtEl>
+                                          <p:spTgt spid="560162"/>
+                                        </p:tgtEl>
+                                        <p:attrNameLst>
+                                          <p:attrName>style.visibility</p:attrName>
+                                        </p:attrNameLst>
+                                      </p:cBhvr>
+                                      <p:to>
+                                        <p:strVal val="visible"/>
+                                      </p:to>
+                                    </p:set>
+                                    <p:animEffect transition="in" filter="dissolve">
+                                      <p:cBhvr>
+                                        <p:cTn id="16" dur="1000"/>
+                                        <p:tgtEl>
+                                          <p:spTgt spid="560162"/>
+                                        </p:tgtEl>
+                                      </p:cBhvr>
+                                    </p:animEffect>
+                                  </p:childTnLst>
+                                </p:cTn>
+                              </p:par>
+                              <p:par>
+                                <p:cTn id="17" presetID="9" presetClass="entr" presetSubtype="0" fill="hold" grpId="0" nodeType="withEffect">
+                                  <p:stCondLst>
+                                    <p:cond delay="0"/>
+                                  </p:stCondLst>
+                                  <p:childTnLst>
+                                    <p:set>
+                                      <p:cBhvr>
+                                        <p:cTn id="18" dur="1" fill="hold">
+                                          <p:stCondLst>
+                                            <p:cond delay="0"/>
+                                          </p:stCondLst>
+                                        </p:cTn>
+                                        <p:tgtEl>
+                                          <p:spTgt spid="37"/>
+                                        </p:tgtEl>
+                                        <p:attrNameLst>
+                                          <p:attrName>style.visibility</p:attrName>
+                                        </p:attrNameLst>
+                                      </p:cBhvr>
+                                      <p:to>
+                                        <p:strVal val="visible"/>
+                                      </p:to>
+                                    </p:set>
+                                    <p:animEffect transition="in" filter="dissolve">
+                                      <p:cBhvr>
+                                        <p:cTn id="19" dur="500"/>
+                                        <p:tgtEl>
+                                          <p:spTgt spid="37"/>
+                                        </p:tgtEl>
+                                      </p:cBhvr>
+                                    </p:animEffect>
+                                  </p:childTnLst>
+                                </p:cTn>
+                              </p:par>
+                            </p:childTnLst>
+                          </p:cTn>
+                        </p:par>
+                      </p:childTnLst>
+                    </p:cTn>
+                  </p:par>
+                  <p:par>
+                    <p:cTn id="20" fill="hold">
+                      <p:stCondLst>
+                        <p:cond delay="indefinite"/>
+                      </p:stCondLst>
+                      <p:childTnLst>
+                        <p:par>
+                          <p:cTn id="21" fill="hold">
+                            <p:stCondLst>
+                              <p:cond delay="0"/>
+                            </p:stCondLst>
+                            <p:childTnLst>
+                              <p:par>
+                                <p:cTn id="22" presetID="9" presetClass="entr" presetSubtype="0" fill="hold" nodeType="clickEffect">
+                                  <p:stCondLst>
+                                    <p:cond delay="0"/>
+                                  </p:stCondLst>
+                                  <p:childTnLst>
+                                    <p:set>
+                                      <p:cBhvr>
+                                        <p:cTn id="23" dur="1" fill="hold">
                                           <p:stCondLst>
                                             <p:cond delay="0"/>
                                           </p:stCondLst>
@@ -8661,7 +8833,7 @@
                                     </p:set>
                                     <p:animEffect transition="in" filter="dissolve">
                                       <p:cBhvr>
-                                        <p:cTn id="12" dur="500"/>
+                                        <p:cTn id="24" dur="500"/>
                                         <p:tgtEl>
                                           <p:spTgt spid="560170"/>
                                         </p:tgtEl>
@@ -8677,79 +8849,26 @@
                     </p:cTn>
                   </p:par>
                   <p:par>
-                    <p:cTn id="13" fill="hold">
+                    <p:cTn id="25" fill="hold">
                       <p:stCondLst>
                         <p:cond delay="indefinite"/>
                       </p:stCondLst>
                       <p:childTnLst>
                         <p:par>
-                          <p:cTn id="14" fill="hold">
+                          <p:cTn id="26" fill="hold">
                             <p:stCondLst>
                               <p:cond delay="0"/>
                             </p:stCondLst>
                             <p:childTnLst>
                               <p:par>
-                                <p:cTn id="15" presetID="9" presetClass="entr" presetSubtype="0" fill="hold" grpId="0" nodeType="clickEffect">
+                                <p:cTn id="27" presetID="22" presetClass="entr" presetSubtype="1" fill="hold" nodeType="clickEffect">
                                   <p:stCondLst>
                                     <p:cond delay="0"/>
                                   </p:stCondLst>
                                   <p:childTnLst>
                                     <p:set>
                                       <p:cBhvr>
-                                        <p:cTn id="16" dur="1" fill="hold">
-                                          <p:stCondLst>
-                                            <p:cond delay="0"/>
-                                          </p:stCondLst>
-                                        </p:cTn>
-                                        <p:tgtEl>
-                                          <p:spTgt spid="38"/>
-                                        </p:tgtEl>
-                                        <p:attrNameLst>
-                                          <p:attrName>style.visibility</p:attrName>
-                                        </p:attrNameLst>
-                                      </p:cBhvr>
-                                      <p:to>
-                                        <p:strVal val="visible"/>
-                                      </p:to>
-                                    </p:set>
-                                    <p:animEffect transition="in" filter="dissolve">
-                                      <p:cBhvr>
-                                        <p:cTn id="17" dur="500"/>
-                                        <p:tgtEl>
-                                          <p:spTgt spid="38"/>
-                                        </p:tgtEl>
-                                      </p:cBhvr>
-                                    </p:animEffect>
-                                  </p:childTnLst>
-                                </p:cTn>
-                              </p:par>
-                            </p:childTnLst>
-                          </p:cTn>
-                        </p:par>
-                      </p:childTnLst>
-                    </p:cTn>
-                  </p:par>
-                  <p:par>
-                    <p:cTn id="18" fill="hold">
-                      <p:stCondLst>
-                        <p:cond delay="indefinite"/>
-                      </p:stCondLst>
-                      <p:childTnLst>
-                        <p:par>
-                          <p:cTn id="19" fill="hold">
-                            <p:stCondLst>
-                              <p:cond delay="0"/>
-                            </p:stCondLst>
-                            <p:childTnLst>
-                              <p:par>
-                                <p:cTn id="20" presetID="22" presetClass="entr" presetSubtype="1" fill="hold" nodeType="clickEffect">
-                                  <p:stCondLst>
-                                    <p:cond delay="0"/>
-                                  </p:stCondLst>
-                                  <p:childTnLst>
-                                    <p:set>
-                                      <p:cBhvr>
-                                        <p:cTn id="21" dur="1" fill="hold">
+                                        <p:cTn id="28" dur="1" fill="hold">
                                           <p:stCondLst>
                                             <p:cond delay="0"/>
                                           </p:stCondLst>
@@ -8767,7 +8886,7 @@
                                     </p:set>
                                     <p:animEffect transition="in" filter="wipe(up)">
                                       <p:cBhvr>
-                                        <p:cTn id="22" dur="500"/>
+                                        <p:cTn id="29" dur="500"/>
                                         <p:tgtEl>
                                           <p:spTgt spid="3"/>
                                         </p:tgtEl>
@@ -8777,14 +8896,14 @@
                                 </p:cTn>
                               </p:par>
                               <p:par>
-                                <p:cTn id="23" presetID="22" presetClass="entr" presetSubtype="1" fill="hold" nodeType="withEffect">
+                                <p:cTn id="30" presetID="22" presetClass="entr" presetSubtype="1" fill="hold" nodeType="withEffect">
                                   <p:stCondLst>
                                     <p:cond delay="0"/>
                                   </p:stCondLst>
                                   <p:childTnLst>
                                     <p:set>
                                       <p:cBhvr>
-                                        <p:cTn id="24" dur="1" fill="hold">
+                                        <p:cTn id="31" dur="1" fill="hold">
                                           <p:stCondLst>
                                             <p:cond delay="0"/>
                                           </p:stCondLst>
@@ -8802,7 +8921,7 @@
                                     </p:set>
                                     <p:animEffect transition="in" filter="wipe(up)">
                                       <p:cBhvr>
-                                        <p:cTn id="25" dur="500"/>
+                                        <p:cTn id="32" dur="500"/>
                                         <p:tgtEl>
                                           <p:spTgt spid="43"/>
                                         </p:tgtEl>
@@ -8818,32 +8937,32 @@
                     </p:cTn>
                   </p:par>
                   <p:par>
-                    <p:cTn id="26" fill="hold">
+                    <p:cTn id="33" fill="hold">
                       <p:stCondLst>
                         <p:cond delay="indefinite"/>
                       </p:stCondLst>
                       <p:childTnLst>
                         <p:par>
-                          <p:cTn id="27" fill="hold">
+                          <p:cTn id="34" fill="hold">
                             <p:stCondLst>
                               <p:cond delay="0"/>
                             </p:stCondLst>
                             <p:childTnLst>
                               <p:par>
-                                <p:cTn id="28" presetID="9" presetClass="entr" presetSubtype="0" fill="hold" grpId="0" nodeType="clickEffect">
+                                <p:cTn id="35" presetID="22" presetClass="entr" presetSubtype="2" fill="hold" nodeType="clickEffect">
                                   <p:stCondLst>
                                     <p:cond delay="0"/>
                                   </p:stCondLst>
                                   <p:childTnLst>
                                     <p:set>
                                       <p:cBhvr>
-                                        <p:cTn id="29" dur="1" fill="hold">
+                                        <p:cTn id="36" dur="1" fill="hold">
                                           <p:stCondLst>
                                             <p:cond delay="0"/>
                                           </p:stCondLst>
                                         </p:cTn>
                                         <p:tgtEl>
-                                          <p:spTgt spid="37"/>
+                                          <p:spTgt spid="2"/>
                                         </p:tgtEl>
                                         <p:attrNameLst>
                                           <p:attrName>style.visibility</p:attrName>
@@ -8853,55 +8972,11 @@
                                         <p:strVal val="visible"/>
                                       </p:to>
                                     </p:set>
-                                    <p:animEffect transition="in" filter="dissolve">
+                                    <p:animEffect transition="in" filter="wipe(right)">
                                       <p:cBhvr>
-                                        <p:cTn id="30" dur="500"/>
+                                        <p:cTn id="37" dur="1000"/>
                                         <p:tgtEl>
-                                          <p:spTgt spid="37"/>
-                                        </p:tgtEl>
-                                      </p:cBhvr>
-                                    </p:animEffect>
-                                  </p:childTnLst>
-                                </p:cTn>
-                              </p:par>
-                            </p:childTnLst>
-                          </p:cTn>
-                        </p:par>
-                        <p:par>
-                          <p:cTn id="31" fill="hold">
-                            <p:stCondLst>
-                              <p:cond delay="500"/>
-                            </p:stCondLst>
-                            <p:childTnLst>
-                              <p:par>
-                                <p:cTn id="32" presetID="9" presetClass="entr" presetSubtype="0" fill="hold" grpId="0" nodeType="afterEffect">
-                                  <p:stCondLst>
-                                    <p:cond delay="0"/>
-                                  </p:stCondLst>
-                                  <p:childTnLst>
-                                    <p:set>
-                                      <p:cBhvr>
-                                        <p:cTn id="33" dur="1" fill="hold">
-                                          <p:stCondLst>
-                                            <p:cond delay="0"/>
-                                          </p:stCondLst>
-                                        </p:cTn>
-                                        <p:tgtEl>
-                                          <p:spTgt spid="560162"/>
-                                        </p:tgtEl>
-                                        <p:attrNameLst>
-                                          <p:attrName>style.visibility</p:attrName>
-                                        </p:attrNameLst>
-                                      </p:cBhvr>
-                                      <p:to>
-                                        <p:strVal val="visible"/>
-                                      </p:to>
-                                    </p:set>
-                                    <p:animEffect transition="in" filter="dissolve">
-                                      <p:cBhvr>
-                                        <p:cTn id="34" dur="1000"/>
-                                        <p:tgtEl>
-                                          <p:spTgt spid="560162"/>
+                                          <p:spTgt spid="2"/>
                                         </p:tgtEl>
                                       </p:cBhvr>
                                     </p:animEffect>
@@ -13046,7 +13121,7 @@
                             </p:stCondLst>
                             <p:childTnLst>
                               <p:par>
-                                <p:cTn id="5" presetID="1" presetClass="entr" presetSubtype="0" fill="hold" nodeType="clickEffect">
+                                <p:cTn id="5" presetID="10" presetClass="entr" presetSubtype="0" fill="hold" nodeType="clickEffect">
                                   <p:stCondLst>
                                     <p:cond delay="0"/>
                                   </p:stCondLst>
@@ -13069,6 +13144,14 @@
                                         <p:strVal val="visible"/>
                                       </p:to>
                                     </p:set>
+                                    <p:animEffect transition="in" filter="fade">
+                                      <p:cBhvr>
+                                        <p:cTn id="7" dur="500"/>
+                                        <p:tgtEl>
+                                          <p:spTgt spid="35"/>
+                                        </p:tgtEl>
+                                      </p:cBhvr>
+                                    </p:animEffect>
                                   </p:childTnLst>
                                 </p:cTn>
                               </p:par>
@@ -13079,26 +13162,26 @@
                     </p:cTn>
                   </p:par>
                   <p:par>
-                    <p:cTn id="7" fill="hold">
+                    <p:cTn id="8" fill="hold">
                       <p:stCondLst>
                         <p:cond delay="indefinite"/>
                       </p:stCondLst>
                       <p:childTnLst>
                         <p:par>
-                          <p:cTn id="8" fill="hold">
+                          <p:cTn id="9" fill="hold">
                             <p:stCondLst>
                               <p:cond delay="0"/>
                             </p:stCondLst>
                             <p:childTnLst>
                               <p:par>
-                                <p:cTn id="9" presetID="22" presetClass="entr" presetSubtype="1" fill="hold" nodeType="clickEffect">
+                                <p:cTn id="10" presetID="22" presetClass="entr" presetSubtype="1" fill="hold" nodeType="clickEffect">
                                   <p:stCondLst>
                                     <p:cond delay="0"/>
                                   </p:stCondLst>
                                   <p:childTnLst>
                                     <p:set>
                                       <p:cBhvr>
-                                        <p:cTn id="10" dur="1" fill="hold">
+                                        <p:cTn id="11" dur="1" fill="hold">
                                           <p:stCondLst>
                                             <p:cond delay="0"/>
                                           </p:stCondLst>
@@ -13116,7 +13199,7 @@
                                     </p:set>
                                     <p:animEffect transition="in" filter="wipe(up)">
                                       <p:cBhvr>
-                                        <p:cTn id="11" dur="1000"/>
+                                        <p:cTn id="12" dur="1000"/>
                                         <p:tgtEl>
                                           <p:spTgt spid="28"/>
                                         </p:tgtEl>
@@ -14226,7 +14309,7 @@
                                     </p:set>
                                     <p:animEffect transition="in" filter="wipe(down)">
                                       <p:cBhvr>
-                                        <p:cTn id="7" dur="500"/>
+                                        <p:cTn id="7" dur="1000"/>
                                         <p:tgtEl>
                                           <p:spTgt spid="645148"/>
                                         </p:tgtEl>
@@ -15563,7 +15646,7 @@
           <a:graphicData uri="http://schemas.openxmlformats.org/presentationml/2006/ole">
             <mc:AlternateContent xmlns:mc="http://schemas.openxmlformats.org/markup-compatibility/2006">
               <mc:Choice xmlns:v="urn:schemas-microsoft-com:vml" Requires="v">
-                <p:oleObj spid="_x0000_s575522" name="Equation" r:id="rId4" imgW="1346040" imgH="406080" progId="Equation.DSMT4">
+                <p:oleObj spid="_x0000_s575526" name="Equation" r:id="rId4" imgW="1346040" imgH="406080" progId="Equation.DSMT4">
                   <p:embed/>
                 </p:oleObj>
               </mc:Choice>
@@ -15784,7 +15867,7 @@
                                     </p:set>
                                     <p:animEffect transition="in" filter="wipe(left)">
                                       <p:cBhvr>
-                                        <p:cTn id="7" dur="500"/>
+                                        <p:cTn id="7" dur="1000"/>
                                         <p:tgtEl>
                                           <p:spTgt spid="575493"/>
                                         </p:tgtEl>

--- a/spring13/slides13/simple-degrees.pptx
+++ b/spring13/slides13/simple-degrees.pptx
@@ -3925,7 +3925,7 @@
           <a:graphicData uri="http://schemas.openxmlformats.org/presentationml/2006/ole">
             <mc:AlternateContent xmlns:mc="http://schemas.openxmlformats.org/markup-compatibility/2006">
               <mc:Choice xmlns:v="urn:schemas-microsoft-com:vml" Requires="v">
-                <p:oleObj spid="_x0000_s576555" name="Equation" r:id="rId4" imgW="1346040" imgH="406080" progId="Equation.DSMT4">
+                <p:oleObj spid="_x0000_s576558" name="Equation" r:id="rId4" imgW="1346040" imgH="406080" progId="Equation.DSMT4">
                   <p:embed/>
                 </p:oleObj>
               </mc:Choice>
@@ -4055,7 +4055,7 @@
   <p:clrMapOvr>
     <a:masterClrMapping/>
   </p:clrMapOvr>
-  <p:transition xmlns:p14="http://schemas.microsoft.com/office/powerpoint/2010/main" spd="slow">
+  <p:transition xmlns:p14="http://schemas.microsoft.com/office/powerpoint/2010/main" spd="slow" advClick="0">
     <p:fade/>
   </p:transition>
   <p:timing>
@@ -4290,9 +4290,18 @@
   <p:clrMapOvr>
     <a:masterClrMapping/>
   </p:clrMapOvr>
-  <p:transition xmlns:p14="http://schemas.microsoft.com/office/powerpoint/2010/main">
-    <p:fade thruBlk="1"/>
-  </p:transition>
+  <mc:AlternateContent xmlns:mc="http://schemas.openxmlformats.org/markup-compatibility/2006">
+    <mc:Choice xmlns:p14="http://schemas.microsoft.com/office/powerpoint/2010/main" Requires="p14">
+      <p:transition spd="slow" p14:dur="1100" advClick="0">
+        <p:fade thruBlk="1"/>
+      </p:transition>
+    </mc:Choice>
+    <mc:Fallback>
+      <p:transition xmlns:p14="http://schemas.microsoft.com/office/powerpoint/2010/main" spd="slow" advClick="0">
+        <p:fade thruBlk="1"/>
+      </p:transition>
+    </mc:Fallback>
+  </mc:AlternateContent>
   <p:timing>
     <p:tnLst>
       <p:par>
@@ -5561,7 +5570,7 @@
   <p:clrMapOvr>
     <a:masterClrMapping/>
   </p:clrMapOvr>
-  <p:transition xmlns:p14="http://schemas.microsoft.com/office/powerpoint/2010/main">
+  <p:transition xmlns:p14="http://schemas.microsoft.com/office/powerpoint/2010/main" spd="slow" advClick="0">
     <p:fade thruBlk="1"/>
   </p:transition>
   <p:timing>
@@ -5733,7 +5742,7 @@
           <a:graphicData uri="http://schemas.openxmlformats.org/presentationml/2006/ole">
             <mc:AlternateContent xmlns:mc="http://schemas.openxmlformats.org/markup-compatibility/2006">
               <mc:Choice xmlns:v="urn:schemas-microsoft-com:vml" Requires="v">
-                <p:oleObj spid="_x0000_s1110" name="Equation" r:id="rId4" imgW="1777680" imgH="342720" progId="Equation.DSMT4">
+                <p:oleObj spid="_x0000_s1119" name="Equation" r:id="rId4" imgW="1777680" imgH="342720" progId="Equation.DSMT4">
                   <p:embed/>
                 </p:oleObj>
               </mc:Choice>
@@ -5869,7 +5878,7 @@
           <a:graphicData uri="http://schemas.openxmlformats.org/presentationml/2006/ole">
             <mc:AlternateContent xmlns:mc="http://schemas.openxmlformats.org/markup-compatibility/2006">
               <mc:Choice xmlns:v="urn:schemas-microsoft-com:vml" Requires="v">
-                <p:oleObj spid="_x0000_s1111" name="Equation" r:id="rId6" imgW="1828800" imgH="571320" progId="Equation.DSMT4">
+                <p:oleObj spid="_x0000_s1120" name="Equation" r:id="rId6" imgW="1828800" imgH="571320" progId="Equation.DSMT4">
                   <p:embed/>
                 </p:oleObj>
               </mc:Choice>
@@ -5945,7 +5954,7 @@
           <a:graphicData uri="http://schemas.openxmlformats.org/presentationml/2006/ole">
             <mc:AlternateContent xmlns:mc="http://schemas.openxmlformats.org/markup-compatibility/2006">
               <mc:Choice xmlns:v="urn:schemas-microsoft-com:vml" Requires="v">
-                <p:oleObj spid="_x0000_s1112" name="Equation" r:id="rId8" imgW="660400" imgH="419100" progId="Equation.DSMT4">
+                <p:oleObj spid="_x0000_s1121" name="Equation" r:id="rId8" imgW="660400" imgH="419100" progId="Equation.DSMT4">
                   <p:embed/>
                 </p:oleObj>
               </mc:Choice>
@@ -6015,7 +6024,7 @@
           <a:graphicData uri="http://schemas.openxmlformats.org/presentationml/2006/ole">
             <mc:AlternateContent xmlns:mc="http://schemas.openxmlformats.org/markup-compatibility/2006">
               <mc:Choice xmlns:v="urn:schemas-microsoft-com:vml" Requires="v">
-                <p:oleObj spid="_x0000_s1113" name="Equation" r:id="rId10" imgW="660400" imgH="419100" progId="Equation.DSMT4">
+                <p:oleObj spid="_x0000_s1122" name="Equation" r:id="rId10" imgW="660400" imgH="419100" progId="Equation.DSMT4">
                   <p:embed/>
                 </p:oleObj>
               </mc:Choice>
@@ -6073,14 +6082,14 @@
   <p:clrMapOvr>
     <a:masterClrMapping/>
   </p:clrMapOvr>
-  <mc:AlternateContent xmlns:mc="http://schemas.openxmlformats.org/markup-compatibility/2006" xmlns:p14="http://schemas.microsoft.com/office/powerpoint/2010/main">
-    <mc:Choice Requires="p14">
-      <p:transition spd="med" p14:dur="700">
+  <mc:AlternateContent xmlns:mc="http://schemas.openxmlformats.org/markup-compatibility/2006">
+    <mc:Choice xmlns:p14="http://schemas.microsoft.com/office/powerpoint/2010/main" Requires="p14">
+      <p:transition spd="slow" p14:dur="900" advClick="0">
         <p:fade/>
       </p:transition>
     </mc:Choice>
-    <mc:Fallback xmlns="">
-      <p:transition xmlns:p14="http://schemas.microsoft.com/office/powerpoint/2010/main" spd="med">
+    <mc:Fallback>
+      <p:transition xmlns:p14="http://schemas.microsoft.com/office/powerpoint/2010/main" spd="slow" advClick="0">
         <p:fade/>
       </p:transition>
     </mc:Fallback>
@@ -6450,7 +6459,7 @@
           <a:graphicData uri="http://schemas.openxmlformats.org/presentationml/2006/ole">
             <mc:AlternateContent xmlns:mc="http://schemas.openxmlformats.org/markup-compatibility/2006">
               <mc:Choice xmlns:v="urn:schemas-microsoft-com:vml" Requires="v">
-                <p:oleObj spid="_x0000_s655397" name="Equation" r:id="rId4" imgW="2273040" imgH="469800" progId="Equation.DSMT4">
+                <p:oleObj spid="_x0000_s655400" name="Equation" r:id="rId4" imgW="2273040" imgH="469800" progId="Equation.DSMT4">
                   <p:embed/>
                 </p:oleObj>
               </mc:Choice>
@@ -6770,7 +6779,7 @@
   <p:clrMapOvr>
     <a:masterClrMapping/>
   </p:clrMapOvr>
-  <p:transition xmlns:p14="http://schemas.microsoft.com/office/powerpoint/2010/main" spd="slow">
+  <p:transition xmlns:p14="http://schemas.microsoft.com/office/powerpoint/2010/main" spd="slow" advClick="0">
     <p:fade/>
   </p:transition>
   <p:timing>
@@ -7239,13 +7248,18 @@
             <p:ph type="title"/>
           </p:nvPr>
         </p:nvSpPr>
-        <p:spPr/>
+        <p:spPr>
+          <a:xfrm>
+            <a:off x="2578568" y="0"/>
+            <a:ext cx="4754028" cy="1035171"/>
+          </a:xfrm>
+        </p:spPr>
         <p:txBody>
           <a:bodyPr/>
           <a:lstStyle/>
           <a:p>
             <a:r>
-              <a:rPr lang="en-US" sz="3600"/>
+              <a:rPr lang="en-US" sz="3600" dirty="0"/>
               <a:t>Types of Graphs</a:t>
             </a:r>
           </a:p>
@@ -8808,7 +8822,7 @@
                             </p:stCondLst>
                             <p:childTnLst>
                               <p:par>
-                                <p:cTn id="22" presetID="9" presetClass="entr" presetSubtype="0" fill="hold" nodeType="clickEffect">
+                                <p:cTn id="22" presetID="22" presetClass="entr" presetSubtype="2" fill="hold" nodeType="clickEffect">
                                   <p:stCondLst>
                                     <p:cond delay="0"/>
                                   </p:stCondLst>
@@ -8821,7 +8835,7 @@
                                           </p:stCondLst>
                                         </p:cTn>
                                         <p:tgtEl>
-                                          <p:spTgt spid="560170"/>
+                                          <p:spTgt spid="2"/>
                                         </p:tgtEl>
                                         <p:attrNameLst>
                                           <p:attrName>style.visibility</p:attrName>
@@ -8831,11 +8845,11 @@
                                         <p:strVal val="visible"/>
                                       </p:to>
                                     </p:set>
-                                    <p:animEffect transition="in" filter="dissolve">
+                                    <p:animEffect transition="in" filter="wipe(right)">
                                       <p:cBhvr>
-                                        <p:cTn id="24" dur="500"/>
+                                        <p:cTn id="24" dur="1000"/>
                                         <p:tgtEl>
-                                          <p:spTgt spid="560170"/>
+                                          <p:spTgt spid="2"/>
                                         </p:tgtEl>
                                       </p:cBhvr>
                                     </p:animEffect>
@@ -8861,7 +8875,7 @@
                             </p:stCondLst>
                             <p:childTnLst>
                               <p:par>
-                                <p:cTn id="27" presetID="22" presetClass="entr" presetSubtype="1" fill="hold" nodeType="clickEffect">
+                                <p:cTn id="27" presetID="9" presetClass="entr" presetSubtype="0" fill="hold" nodeType="clickEffect">
                                   <p:stCondLst>
                                     <p:cond delay="0"/>
                                   </p:stCondLst>
@@ -8869,6 +8883,59 @@
                                     <p:set>
                                       <p:cBhvr>
                                         <p:cTn id="28" dur="1" fill="hold">
+                                          <p:stCondLst>
+                                            <p:cond delay="0"/>
+                                          </p:stCondLst>
+                                        </p:cTn>
+                                        <p:tgtEl>
+                                          <p:spTgt spid="560170"/>
+                                        </p:tgtEl>
+                                        <p:attrNameLst>
+                                          <p:attrName>style.visibility</p:attrName>
+                                        </p:attrNameLst>
+                                      </p:cBhvr>
+                                      <p:to>
+                                        <p:strVal val="visible"/>
+                                      </p:to>
+                                    </p:set>
+                                    <p:animEffect transition="in" filter="dissolve">
+                                      <p:cBhvr>
+                                        <p:cTn id="29" dur="500"/>
+                                        <p:tgtEl>
+                                          <p:spTgt spid="560170"/>
+                                        </p:tgtEl>
+                                      </p:cBhvr>
+                                    </p:animEffect>
+                                  </p:childTnLst>
+                                </p:cTn>
+                              </p:par>
+                            </p:childTnLst>
+                          </p:cTn>
+                        </p:par>
+                      </p:childTnLst>
+                    </p:cTn>
+                  </p:par>
+                  <p:par>
+                    <p:cTn id="30" fill="hold">
+                      <p:stCondLst>
+                        <p:cond delay="indefinite"/>
+                      </p:stCondLst>
+                      <p:childTnLst>
+                        <p:par>
+                          <p:cTn id="31" fill="hold">
+                            <p:stCondLst>
+                              <p:cond delay="0"/>
+                            </p:stCondLst>
+                            <p:childTnLst>
+                              <p:par>
+                                <p:cTn id="32" presetID="22" presetClass="entr" presetSubtype="1" fill="hold" nodeType="clickEffect">
+                                  <p:stCondLst>
+                                    <p:cond delay="0"/>
+                                  </p:stCondLst>
+                                  <p:childTnLst>
+                                    <p:set>
+                                      <p:cBhvr>
+                                        <p:cTn id="33" dur="1" fill="hold">
                                           <p:stCondLst>
                                             <p:cond delay="0"/>
                                           </p:stCondLst>
@@ -8886,7 +8953,7 @@
                                     </p:set>
                                     <p:animEffect transition="in" filter="wipe(up)">
                                       <p:cBhvr>
-                                        <p:cTn id="29" dur="500"/>
+                                        <p:cTn id="34" dur="500"/>
                                         <p:tgtEl>
                                           <p:spTgt spid="3"/>
                                         </p:tgtEl>
@@ -8896,14 +8963,14 @@
                                 </p:cTn>
                               </p:par>
                               <p:par>
-                                <p:cTn id="30" presetID="22" presetClass="entr" presetSubtype="1" fill="hold" nodeType="withEffect">
+                                <p:cTn id="35" presetID="22" presetClass="entr" presetSubtype="1" fill="hold" nodeType="withEffect">
                                   <p:stCondLst>
                                     <p:cond delay="0"/>
                                   </p:stCondLst>
                                   <p:childTnLst>
                                     <p:set>
                                       <p:cBhvr>
-                                        <p:cTn id="31" dur="1" fill="hold">
+                                        <p:cTn id="36" dur="1" fill="hold">
                                           <p:stCondLst>
                                             <p:cond delay="0"/>
                                           </p:stCondLst>
@@ -8921,62 +8988,9 @@
                                     </p:set>
                                     <p:animEffect transition="in" filter="wipe(up)">
                                       <p:cBhvr>
-                                        <p:cTn id="32" dur="500"/>
+                                        <p:cTn id="37" dur="500"/>
                                         <p:tgtEl>
                                           <p:spTgt spid="43"/>
-                                        </p:tgtEl>
-                                      </p:cBhvr>
-                                    </p:animEffect>
-                                  </p:childTnLst>
-                                </p:cTn>
-                              </p:par>
-                            </p:childTnLst>
-                          </p:cTn>
-                        </p:par>
-                      </p:childTnLst>
-                    </p:cTn>
-                  </p:par>
-                  <p:par>
-                    <p:cTn id="33" fill="hold">
-                      <p:stCondLst>
-                        <p:cond delay="indefinite"/>
-                      </p:stCondLst>
-                      <p:childTnLst>
-                        <p:par>
-                          <p:cTn id="34" fill="hold">
-                            <p:stCondLst>
-                              <p:cond delay="0"/>
-                            </p:stCondLst>
-                            <p:childTnLst>
-                              <p:par>
-                                <p:cTn id="35" presetID="22" presetClass="entr" presetSubtype="2" fill="hold" nodeType="clickEffect">
-                                  <p:stCondLst>
-                                    <p:cond delay="0"/>
-                                  </p:stCondLst>
-                                  <p:childTnLst>
-                                    <p:set>
-                                      <p:cBhvr>
-                                        <p:cTn id="36" dur="1" fill="hold">
-                                          <p:stCondLst>
-                                            <p:cond delay="0"/>
-                                          </p:stCondLst>
-                                        </p:cTn>
-                                        <p:tgtEl>
-                                          <p:spTgt spid="2"/>
-                                        </p:tgtEl>
-                                        <p:attrNameLst>
-                                          <p:attrName>style.visibility</p:attrName>
-                                        </p:attrNameLst>
-                                      </p:cBhvr>
-                                      <p:to>
-                                        <p:strVal val="visible"/>
-                                      </p:to>
-                                    </p:set>
-                                    <p:animEffect transition="in" filter="wipe(right)">
-                                      <p:cBhvr>
-                                        <p:cTn id="37" dur="1000"/>
-                                        <p:tgtEl>
-                                          <p:spTgt spid="2"/>
                                         </p:tgtEl>
                                       </p:cBhvr>
                                     </p:animEffect>
@@ -9376,7 +9390,7 @@
   <p:clrMapOvr>
     <a:masterClrMapping/>
   </p:clrMapOvr>
-  <p:transition xmlns:p14="http://schemas.microsoft.com/office/powerpoint/2010/main" spd="slow">
+  <p:transition xmlns:p14="http://schemas.microsoft.com/office/powerpoint/2010/main" spd="slow" advClick="0">
     <p:fade/>
   </p:transition>
   <p:timing>
@@ -10793,9 +10807,18 @@
   <p:clrMapOvr>
     <a:masterClrMapping/>
   </p:clrMapOvr>
-  <p:transition xmlns:p14="http://schemas.microsoft.com/office/powerpoint/2010/main">
-    <p:fade/>
-  </p:transition>
+  <mc:AlternateContent xmlns:mc="http://schemas.openxmlformats.org/markup-compatibility/2006">
+    <mc:Choice xmlns:p14="http://schemas.microsoft.com/office/powerpoint/2010/main" Requires="p14">
+      <p:transition spd="slow" p14:dur="800" advClick="0">
+        <p:fade/>
+      </p:transition>
+    </mc:Choice>
+    <mc:Fallback>
+      <p:transition xmlns:p14="http://schemas.microsoft.com/office/powerpoint/2010/main" spd="slow" advClick="0">
+        <p:fade/>
+      </p:transition>
+    </mc:Fallback>
+  </mc:AlternateContent>
   <p:timing>
     <p:tnLst>
       <p:par>
@@ -12138,7 +12161,18 @@
   <p:clrMapOvr>
     <a:masterClrMapping/>
   </p:clrMapOvr>
-  <p:transition xmlns:p14="http://schemas.microsoft.com/office/powerpoint/2010/main"/>
+  <mc:AlternateContent xmlns:mc="http://schemas.openxmlformats.org/markup-compatibility/2006">
+    <mc:Choice xmlns:p14="http://schemas.microsoft.com/office/powerpoint/2010/main" Requires="p14">
+      <p:transition spd="med" p14:dur="700" advClick="0">
+        <p:fade/>
+      </p:transition>
+    </mc:Choice>
+    <mc:Fallback>
+      <p:transition xmlns:p14="http://schemas.microsoft.com/office/powerpoint/2010/main" spd="med" advClick="0">
+        <p:fade/>
+      </p:transition>
+    </mc:Fallback>
+  </mc:AlternateContent>
   <p:timing>
     <p:tnLst>
       <p:par>
@@ -13097,7 +13131,7 @@
   <p:clrMapOvr>
     <a:masterClrMapping/>
   </p:clrMapOvr>
-  <p:transition xmlns:p14="http://schemas.microsoft.com/office/powerpoint/2010/main" spd="med">
+  <p:transition xmlns:p14="http://schemas.microsoft.com/office/powerpoint/2010/main" spd="slow" advClick="0">
     <p:fade thruBlk="1"/>
   </p:transition>
   <p:timing>
@@ -15646,7 +15680,7 @@
           <a:graphicData uri="http://schemas.openxmlformats.org/presentationml/2006/ole">
             <mc:AlternateContent xmlns:mc="http://schemas.openxmlformats.org/markup-compatibility/2006">
               <mc:Choice xmlns:v="urn:schemas-microsoft-com:vml" Requires="v">
-                <p:oleObj spid="_x0000_s575526" name="Equation" r:id="rId4" imgW="1346040" imgH="406080" progId="Equation.DSMT4">
+                <p:oleObj spid="_x0000_s575529" name="Equation" r:id="rId4" imgW="1346040" imgH="406080" progId="Equation.DSMT4">
                   <p:embed/>
                 </p:oleObj>
               </mc:Choice>

--- a/spring13/slides13/simple-degrees.pptx
+++ b/spring13/slides13/simple-degrees.pptx
@@ -5,10 +5,10 @@
     <p:sldMasterId id="2147483650" r:id="rId1"/>
   </p:sldMasterIdLst>
   <p:notesMasterIdLst>
-    <p:notesMasterId r:id="rId16"/>
+    <p:notesMasterId r:id="rId22"/>
   </p:notesMasterIdLst>
   <p:handoutMasterIdLst>
-    <p:handoutMasterId r:id="rId17"/>
+    <p:handoutMasterId r:id="rId23"/>
   </p:handoutMasterIdLst>
   <p:sldIdLst>
     <p:sldId id="692" r:id="rId2"/>
@@ -21,15 +21,21 @@
     <p:sldId id="706" r:id="rId9"/>
     <p:sldId id="707" r:id="rId10"/>
     <p:sldId id="708" r:id="rId11"/>
-    <p:sldId id="739" r:id="rId12"/>
-    <p:sldId id="736" r:id="rId13"/>
-    <p:sldId id="786" r:id="rId14"/>
-    <p:sldId id="738" r:id="rId15"/>
+    <p:sldId id="787" r:id="rId12"/>
+    <p:sldId id="788" r:id="rId13"/>
+    <p:sldId id="736" r:id="rId14"/>
+    <p:sldId id="786" r:id="rId15"/>
+    <p:sldId id="790" r:id="rId16"/>
+    <p:sldId id="791" r:id="rId17"/>
+    <p:sldId id="792" r:id="rId18"/>
+    <p:sldId id="789" r:id="rId19"/>
+    <p:sldId id="738" r:id="rId20"/>
+    <p:sldId id="793" r:id="rId21"/>
   </p:sldIdLst>
   <p:sldSz cx="9144000" cy="6858000" type="screen4x3"/>
-  <p:notesSz cx="7315200" cy="9601200"/>
+  <p:notesSz cx="9601200" cy="7315200"/>
   <p:custDataLst>
-    <p:tags r:id="rId19"/>
+    <p:tags r:id="rId25"/>
   </p:custDataLst>
   <p:defaultTextStyle>
     <a:defPPr>
@@ -202,7 +208,7 @@
         <p:spPr bwMode="auto">
           <a:xfrm>
             <a:off x="0" y="0"/>
-            <a:ext cx="3170238" cy="479425"/>
+            <a:ext cx="4160937" cy="365276"/>
           </a:xfrm>
           <a:prstGeom prst="rect">
             <a:avLst/>
@@ -251,8 +257,8 @@
         </p:nvSpPr>
         <p:spPr bwMode="auto">
           <a:xfrm>
-            <a:off x="4143375" y="0"/>
-            <a:ext cx="3170238" cy="479425"/>
+            <a:off x="5438180" y="0"/>
+            <a:ext cx="4160937" cy="365276"/>
           </a:xfrm>
           <a:prstGeom prst="rect">
             <a:avLst/>
@@ -301,8 +307,8 @@
         </p:nvSpPr>
         <p:spPr bwMode="auto">
           <a:xfrm>
-            <a:off x="0" y="9120188"/>
-            <a:ext cx="3170238" cy="479425"/>
+            <a:off x="0" y="6948715"/>
+            <a:ext cx="4160937" cy="365276"/>
           </a:xfrm>
           <a:prstGeom prst="rect">
             <a:avLst/>
@@ -351,8 +357,8 @@
         </p:nvSpPr>
         <p:spPr bwMode="auto">
           <a:xfrm>
-            <a:off x="4143375" y="9120188"/>
-            <a:ext cx="3170238" cy="479425"/>
+            <a:off x="5438180" y="6948715"/>
+            <a:ext cx="4160937" cy="365276"/>
           </a:xfrm>
           <a:prstGeom prst="rect">
             <a:avLst/>
@@ -443,7 +449,7 @@
         <p:spPr bwMode="auto">
           <a:xfrm>
             <a:off x="0" y="0"/>
-            <a:ext cx="3170238" cy="479425"/>
+            <a:ext cx="4160937" cy="365276"/>
           </a:xfrm>
           <a:prstGeom prst="rect">
             <a:avLst/>
@@ -492,8 +498,8 @@
         </p:nvSpPr>
         <p:spPr bwMode="auto">
           <a:xfrm>
-            <a:off x="4144963" y="0"/>
-            <a:ext cx="3170237" cy="479425"/>
+            <a:off x="5440265" y="0"/>
+            <a:ext cx="4160936" cy="365276"/>
           </a:xfrm>
           <a:prstGeom prst="rect">
             <a:avLst/>
@@ -542,8 +548,8 @@
         </p:nvSpPr>
         <p:spPr bwMode="auto">
           <a:xfrm>
-            <a:off x="1257300" y="720725"/>
-            <a:ext cx="4800600" cy="3600450"/>
+            <a:off x="2971800" y="549275"/>
+            <a:ext cx="3657600" cy="2743200"/>
           </a:xfrm>
           <a:prstGeom prst="rect">
             <a:avLst/>
@@ -572,8 +578,8 @@
         </p:nvSpPr>
         <p:spPr bwMode="auto">
           <a:xfrm>
-            <a:off x="976313" y="4560888"/>
-            <a:ext cx="5362575" cy="4319587"/>
+            <a:off x="1281411" y="3474963"/>
+            <a:ext cx="7038380" cy="3291114"/>
           </a:xfrm>
           <a:prstGeom prst="rect">
             <a:avLst/>
@@ -643,8 +649,8 @@
         </p:nvSpPr>
         <p:spPr bwMode="auto">
           <a:xfrm>
-            <a:off x="0" y="9121775"/>
-            <a:ext cx="3170238" cy="479425"/>
+            <a:off x="0" y="6949924"/>
+            <a:ext cx="4160937" cy="365276"/>
           </a:xfrm>
           <a:prstGeom prst="rect">
             <a:avLst/>
@@ -693,8 +699,8 @@
         </p:nvSpPr>
         <p:spPr bwMode="auto">
           <a:xfrm>
-            <a:off x="4144963" y="9121775"/>
-            <a:ext cx="3170237" cy="479425"/>
+            <a:off x="5440265" y="6949924"/>
+            <a:ext cx="4160936" cy="365276"/>
           </a:xfrm>
           <a:prstGeom prst="rect">
             <a:avLst/>
@@ -1155,7 +1161,7 @@
           <a:bodyPr/>
           <a:lstStyle/>
           <a:p>
-            <a:fld id="{847DCA52-F4BC-4C5F-9831-486090B4DE11}" type="slidenum">
+            <a:fld id="{6DE238D8-20DA-42FF-ACC9-ACFB26361318}" type="slidenum">
               <a:rPr lang="en-US"/>
               <a:pPr/>
               <a:t>12</a:t>
@@ -1166,7 +1172,7 @@
       </p:sp>
       <p:sp>
         <p:nvSpPr>
-          <p:cNvPr id="650242" name="Rectangle 2"/>
+          <p:cNvPr id="658434" name="Rectangle 2"/>
           <p:cNvSpPr>
             <a:spLocks noGrp="1" noRot="1" noChangeAspect="1" noChangeArrowheads="1" noTextEdit="1"/>
           </p:cNvSpPr>
@@ -1180,7 +1186,7 @@
       </p:sp>
       <p:sp>
         <p:nvSpPr>
-          <p:cNvPr id="650243" name="Rectangle 3"/>
+          <p:cNvPr id="658435" name="Rectangle 3"/>
           <p:cNvSpPr>
             <a:spLocks noGrp="1" noChangeArrowheads="1"/>
           </p:cNvSpPr>
@@ -1188,12 +1194,7 @@
             <p:ph type="body" idx="1"/>
           </p:nvPr>
         </p:nvSpPr>
-        <p:spPr>
-          <a:xfrm>
-            <a:off x="974725" y="4560888"/>
-            <a:ext cx="5365750" cy="4319587"/>
-          </a:xfrm>
-        </p:spPr>
+        <p:spPr/>
         <p:txBody>
           <a:bodyPr/>
           <a:lstStyle/>
@@ -1244,7 +1245,7 @@
           <a:bodyPr/>
           <a:lstStyle/>
           <a:p>
-            <a:fld id="{B6338798-8B44-422F-BBD5-034B09779C0B}" type="slidenum">
+            <a:fld id="{847DCA52-F4BC-4C5F-9831-486090B4DE11}" type="slidenum">
               <a:rPr lang="en-US"/>
               <a:pPr/>
               <a:t>13</a:t>
@@ -1255,7 +1256,7 @@
       </p:sp>
       <p:sp>
         <p:nvSpPr>
-          <p:cNvPr id="659458" name="Rectangle 2"/>
+          <p:cNvPr id="650242" name="Rectangle 2"/>
           <p:cNvSpPr>
             <a:spLocks noGrp="1" noRot="1" noChangeAspect="1" noChangeArrowheads="1" noTextEdit="1"/>
           </p:cNvSpPr>
@@ -1269,7 +1270,7 @@
       </p:sp>
       <p:sp>
         <p:nvSpPr>
-          <p:cNvPr id="659459" name="Rectangle 3"/>
+          <p:cNvPr id="650243" name="Rectangle 3"/>
           <p:cNvSpPr>
             <a:spLocks noGrp="1" noChangeArrowheads="1"/>
           </p:cNvSpPr>
@@ -1277,7 +1278,12 @@
             <p:ph type="body" idx="1"/>
           </p:nvPr>
         </p:nvSpPr>
-        <p:spPr/>
+        <p:spPr>
+          <a:xfrm>
+            <a:off x="1279327" y="3474963"/>
+            <a:ext cx="7042547" cy="3291114"/>
+          </a:xfrm>
+        </p:spPr>
         <p:txBody>
           <a:bodyPr/>
           <a:lstStyle/>
@@ -1328,10 +1334,430 @@
           <a:bodyPr/>
           <a:lstStyle/>
           <a:p>
+            <a:fld id="{B6338798-8B44-422F-BBD5-034B09779C0B}" type="slidenum">
+              <a:rPr lang="en-US"/>
+              <a:pPr/>
+              <a:t>14</a:t>
+            </a:fld>
+            <a:endParaRPr lang="en-US"/>
+          </a:p>
+        </p:txBody>
+      </p:sp>
+      <p:sp>
+        <p:nvSpPr>
+          <p:cNvPr id="659458" name="Rectangle 2"/>
+          <p:cNvSpPr>
+            <a:spLocks noGrp="1" noRot="1" noChangeAspect="1" noChangeArrowheads="1" noTextEdit="1"/>
+          </p:cNvSpPr>
+          <p:nvPr>
+            <p:ph type="sldImg"/>
+          </p:nvPr>
+        </p:nvSpPr>
+        <p:spPr>
+          <a:ln/>
+        </p:spPr>
+      </p:sp>
+      <p:sp>
+        <p:nvSpPr>
+          <p:cNvPr id="659459" name="Rectangle 3"/>
+          <p:cNvSpPr>
+            <a:spLocks noGrp="1" noChangeArrowheads="1"/>
+          </p:cNvSpPr>
+          <p:nvPr>
+            <p:ph type="body" idx="1"/>
+          </p:nvPr>
+        </p:nvSpPr>
+        <p:spPr/>
+        <p:txBody>
+          <a:bodyPr/>
+          <a:lstStyle/>
+          <a:p>
+            <a:endParaRPr lang="en-US"/>
+          </a:p>
+        </p:txBody>
+      </p:sp>
+    </p:spTree>
+  </p:cSld>
+  <p:clrMapOvr>
+    <a:masterClrMapping/>
+  </p:clrMapOvr>
+</p:notes>
+</file>
+
+<file path=ppt/notesSlides/notesSlide15.xml><?xml version="1.0" encoding="utf-8"?>
+<p:notes xmlns:a="http://schemas.openxmlformats.org/drawingml/2006/main" xmlns:r="http://schemas.openxmlformats.org/officeDocument/2006/relationships" xmlns:p="http://schemas.openxmlformats.org/presentationml/2006/main">
+  <p:cSld>
+    <p:spTree>
+      <p:nvGrpSpPr>
+        <p:cNvPr id="1" name=""/>
+        <p:cNvGrpSpPr/>
+        <p:nvPr/>
+      </p:nvGrpSpPr>
+      <p:grpSpPr>
+        <a:xfrm>
+          <a:off x="0" y="0"/>
+          <a:ext cx="0" cy="0"/>
+          <a:chOff x="0" y="0"/>
+          <a:chExt cx="0" cy="0"/>
+        </a:xfrm>
+      </p:grpSpPr>
+      <p:sp>
+        <p:nvSpPr>
+          <p:cNvPr id="7" name="Rectangle 7"/>
+          <p:cNvSpPr>
+            <a:spLocks noGrp="1" noChangeArrowheads="1"/>
+          </p:cNvSpPr>
+          <p:nvPr>
+            <p:ph type="sldNum" sz="quarter" idx="5"/>
+          </p:nvPr>
+        </p:nvSpPr>
+        <p:spPr>
+          <a:ln/>
+        </p:spPr>
+        <p:txBody>
+          <a:bodyPr/>
+          <a:lstStyle/>
+          <a:p>
+            <a:fld id="{B6338798-8B44-422F-BBD5-034B09779C0B}" type="slidenum">
+              <a:rPr lang="en-US"/>
+              <a:pPr/>
+              <a:t>15</a:t>
+            </a:fld>
+            <a:endParaRPr lang="en-US"/>
+          </a:p>
+        </p:txBody>
+      </p:sp>
+      <p:sp>
+        <p:nvSpPr>
+          <p:cNvPr id="659458" name="Rectangle 2"/>
+          <p:cNvSpPr>
+            <a:spLocks noGrp="1" noRot="1" noChangeAspect="1" noChangeArrowheads="1" noTextEdit="1"/>
+          </p:cNvSpPr>
+          <p:nvPr>
+            <p:ph type="sldImg"/>
+          </p:nvPr>
+        </p:nvSpPr>
+        <p:spPr>
+          <a:ln/>
+        </p:spPr>
+      </p:sp>
+      <p:sp>
+        <p:nvSpPr>
+          <p:cNvPr id="659459" name="Rectangle 3"/>
+          <p:cNvSpPr>
+            <a:spLocks noGrp="1" noChangeArrowheads="1"/>
+          </p:cNvSpPr>
+          <p:nvPr>
+            <p:ph type="body" idx="1"/>
+          </p:nvPr>
+        </p:nvSpPr>
+        <p:spPr/>
+        <p:txBody>
+          <a:bodyPr/>
+          <a:lstStyle/>
+          <a:p>
+            <a:endParaRPr lang="en-US"/>
+          </a:p>
+        </p:txBody>
+      </p:sp>
+    </p:spTree>
+  </p:cSld>
+  <p:clrMapOvr>
+    <a:masterClrMapping/>
+  </p:clrMapOvr>
+</p:notes>
+</file>
+
+<file path=ppt/notesSlides/notesSlide16.xml><?xml version="1.0" encoding="utf-8"?>
+<p:notes xmlns:a="http://schemas.openxmlformats.org/drawingml/2006/main" xmlns:r="http://schemas.openxmlformats.org/officeDocument/2006/relationships" xmlns:p="http://schemas.openxmlformats.org/presentationml/2006/main">
+  <p:cSld>
+    <p:spTree>
+      <p:nvGrpSpPr>
+        <p:cNvPr id="1" name=""/>
+        <p:cNvGrpSpPr/>
+        <p:nvPr/>
+      </p:nvGrpSpPr>
+      <p:grpSpPr>
+        <a:xfrm>
+          <a:off x="0" y="0"/>
+          <a:ext cx="0" cy="0"/>
+          <a:chOff x="0" y="0"/>
+          <a:chExt cx="0" cy="0"/>
+        </a:xfrm>
+      </p:grpSpPr>
+      <p:sp>
+        <p:nvSpPr>
+          <p:cNvPr id="7" name="Rectangle 7"/>
+          <p:cNvSpPr>
+            <a:spLocks noGrp="1" noChangeArrowheads="1"/>
+          </p:cNvSpPr>
+          <p:nvPr>
+            <p:ph type="sldNum" sz="quarter" idx="5"/>
+          </p:nvPr>
+        </p:nvSpPr>
+        <p:spPr>
+          <a:ln/>
+        </p:spPr>
+        <p:txBody>
+          <a:bodyPr/>
+          <a:lstStyle/>
+          <a:p>
+            <a:fld id="{B6338798-8B44-422F-BBD5-034B09779C0B}" type="slidenum">
+              <a:rPr lang="en-US"/>
+              <a:pPr/>
+              <a:t>16</a:t>
+            </a:fld>
+            <a:endParaRPr lang="en-US"/>
+          </a:p>
+        </p:txBody>
+      </p:sp>
+      <p:sp>
+        <p:nvSpPr>
+          <p:cNvPr id="659458" name="Rectangle 2"/>
+          <p:cNvSpPr>
+            <a:spLocks noGrp="1" noRot="1" noChangeAspect="1" noChangeArrowheads="1" noTextEdit="1"/>
+          </p:cNvSpPr>
+          <p:nvPr>
+            <p:ph type="sldImg"/>
+          </p:nvPr>
+        </p:nvSpPr>
+        <p:spPr>
+          <a:ln/>
+        </p:spPr>
+      </p:sp>
+      <p:sp>
+        <p:nvSpPr>
+          <p:cNvPr id="659459" name="Rectangle 3"/>
+          <p:cNvSpPr>
+            <a:spLocks noGrp="1" noChangeArrowheads="1"/>
+          </p:cNvSpPr>
+          <p:nvPr>
+            <p:ph type="body" idx="1"/>
+          </p:nvPr>
+        </p:nvSpPr>
+        <p:spPr/>
+        <p:txBody>
+          <a:bodyPr/>
+          <a:lstStyle/>
+          <a:p>
+            <a:endParaRPr lang="en-US"/>
+          </a:p>
+        </p:txBody>
+      </p:sp>
+    </p:spTree>
+  </p:cSld>
+  <p:clrMapOvr>
+    <a:masterClrMapping/>
+  </p:clrMapOvr>
+</p:notes>
+</file>
+
+<file path=ppt/notesSlides/notesSlide17.xml><?xml version="1.0" encoding="utf-8"?>
+<p:notes xmlns:a="http://schemas.openxmlformats.org/drawingml/2006/main" xmlns:r="http://schemas.openxmlformats.org/officeDocument/2006/relationships" xmlns:p="http://schemas.openxmlformats.org/presentationml/2006/main">
+  <p:cSld>
+    <p:spTree>
+      <p:nvGrpSpPr>
+        <p:cNvPr id="1" name=""/>
+        <p:cNvGrpSpPr/>
+        <p:nvPr/>
+      </p:nvGrpSpPr>
+      <p:grpSpPr>
+        <a:xfrm>
+          <a:off x="0" y="0"/>
+          <a:ext cx="0" cy="0"/>
+          <a:chOff x="0" y="0"/>
+          <a:chExt cx="0" cy="0"/>
+        </a:xfrm>
+      </p:grpSpPr>
+      <p:sp>
+        <p:nvSpPr>
+          <p:cNvPr id="7" name="Rectangle 7"/>
+          <p:cNvSpPr>
+            <a:spLocks noGrp="1" noChangeArrowheads="1"/>
+          </p:cNvSpPr>
+          <p:nvPr>
+            <p:ph type="sldNum" sz="quarter" idx="5"/>
+          </p:nvPr>
+        </p:nvSpPr>
+        <p:spPr>
+          <a:ln/>
+        </p:spPr>
+        <p:txBody>
+          <a:bodyPr/>
+          <a:lstStyle/>
+          <a:p>
+            <a:fld id="{B6338798-8B44-422F-BBD5-034B09779C0B}" type="slidenum">
+              <a:rPr lang="en-US"/>
+              <a:pPr/>
+              <a:t>17</a:t>
+            </a:fld>
+            <a:endParaRPr lang="en-US"/>
+          </a:p>
+        </p:txBody>
+      </p:sp>
+      <p:sp>
+        <p:nvSpPr>
+          <p:cNvPr id="659458" name="Rectangle 2"/>
+          <p:cNvSpPr>
+            <a:spLocks noGrp="1" noRot="1" noChangeAspect="1" noChangeArrowheads="1" noTextEdit="1"/>
+          </p:cNvSpPr>
+          <p:nvPr>
+            <p:ph type="sldImg"/>
+          </p:nvPr>
+        </p:nvSpPr>
+        <p:spPr>
+          <a:ln/>
+        </p:spPr>
+      </p:sp>
+      <p:sp>
+        <p:nvSpPr>
+          <p:cNvPr id="659459" name="Rectangle 3"/>
+          <p:cNvSpPr>
+            <a:spLocks noGrp="1" noChangeArrowheads="1"/>
+          </p:cNvSpPr>
+          <p:nvPr>
+            <p:ph type="body" idx="1"/>
+          </p:nvPr>
+        </p:nvSpPr>
+        <p:spPr/>
+        <p:txBody>
+          <a:bodyPr/>
+          <a:lstStyle/>
+          <a:p>
+            <a:endParaRPr lang="en-US"/>
+          </a:p>
+        </p:txBody>
+      </p:sp>
+    </p:spTree>
+  </p:cSld>
+  <p:clrMapOvr>
+    <a:masterClrMapping/>
+  </p:clrMapOvr>
+</p:notes>
+</file>
+
+<file path=ppt/notesSlides/notesSlide18.xml><?xml version="1.0" encoding="utf-8"?>
+<p:notes xmlns:a="http://schemas.openxmlformats.org/drawingml/2006/main" xmlns:r="http://schemas.openxmlformats.org/officeDocument/2006/relationships" xmlns:p="http://schemas.openxmlformats.org/presentationml/2006/main">
+  <p:cSld>
+    <p:spTree>
+      <p:nvGrpSpPr>
+        <p:cNvPr id="1" name=""/>
+        <p:cNvGrpSpPr/>
+        <p:nvPr/>
+      </p:nvGrpSpPr>
+      <p:grpSpPr>
+        <a:xfrm>
+          <a:off x="0" y="0"/>
+          <a:ext cx="0" cy="0"/>
+          <a:chOff x="0" y="0"/>
+          <a:chExt cx="0" cy="0"/>
+        </a:xfrm>
+      </p:grpSpPr>
+      <p:sp>
+        <p:nvSpPr>
+          <p:cNvPr id="7" name="Rectangle 7"/>
+          <p:cNvSpPr>
+            <a:spLocks noGrp="1" noChangeArrowheads="1"/>
+          </p:cNvSpPr>
+          <p:nvPr>
+            <p:ph type="sldNum" sz="quarter" idx="5"/>
+          </p:nvPr>
+        </p:nvSpPr>
+        <p:spPr>
+          <a:ln/>
+        </p:spPr>
+        <p:txBody>
+          <a:bodyPr/>
+          <a:lstStyle/>
+          <a:p>
+            <a:fld id="{B6338798-8B44-422F-BBD5-034B09779C0B}" type="slidenum">
+              <a:rPr lang="en-US"/>
+              <a:pPr/>
+              <a:t>18</a:t>
+            </a:fld>
+            <a:endParaRPr lang="en-US"/>
+          </a:p>
+        </p:txBody>
+      </p:sp>
+      <p:sp>
+        <p:nvSpPr>
+          <p:cNvPr id="659458" name="Rectangle 2"/>
+          <p:cNvSpPr>
+            <a:spLocks noGrp="1" noRot="1" noChangeAspect="1" noChangeArrowheads="1" noTextEdit="1"/>
+          </p:cNvSpPr>
+          <p:nvPr>
+            <p:ph type="sldImg"/>
+          </p:nvPr>
+        </p:nvSpPr>
+        <p:spPr>
+          <a:ln/>
+        </p:spPr>
+      </p:sp>
+      <p:sp>
+        <p:nvSpPr>
+          <p:cNvPr id="659459" name="Rectangle 3"/>
+          <p:cNvSpPr>
+            <a:spLocks noGrp="1" noChangeArrowheads="1"/>
+          </p:cNvSpPr>
+          <p:nvPr>
+            <p:ph type="body" idx="1"/>
+          </p:nvPr>
+        </p:nvSpPr>
+        <p:spPr/>
+        <p:txBody>
+          <a:bodyPr/>
+          <a:lstStyle/>
+          <a:p>
+            <a:endParaRPr lang="en-US"/>
+          </a:p>
+        </p:txBody>
+      </p:sp>
+    </p:spTree>
+  </p:cSld>
+  <p:clrMapOvr>
+    <a:masterClrMapping/>
+  </p:clrMapOvr>
+</p:notes>
+</file>
+
+<file path=ppt/notesSlides/notesSlide19.xml><?xml version="1.0" encoding="utf-8"?>
+<p:notes xmlns:a="http://schemas.openxmlformats.org/drawingml/2006/main" xmlns:r="http://schemas.openxmlformats.org/officeDocument/2006/relationships" xmlns:p="http://schemas.openxmlformats.org/presentationml/2006/main">
+  <p:cSld>
+    <p:spTree>
+      <p:nvGrpSpPr>
+        <p:cNvPr id="1" name=""/>
+        <p:cNvGrpSpPr/>
+        <p:nvPr/>
+      </p:nvGrpSpPr>
+      <p:grpSpPr>
+        <a:xfrm>
+          <a:off x="0" y="0"/>
+          <a:ext cx="0" cy="0"/>
+          <a:chOff x="0" y="0"/>
+          <a:chExt cx="0" cy="0"/>
+        </a:xfrm>
+      </p:grpSpPr>
+      <p:sp>
+        <p:nvSpPr>
+          <p:cNvPr id="7" name="Rectangle 7"/>
+          <p:cNvSpPr>
+            <a:spLocks noGrp="1" noChangeArrowheads="1"/>
+          </p:cNvSpPr>
+          <p:nvPr>
+            <p:ph type="sldNum" sz="quarter" idx="5"/>
+          </p:nvPr>
+        </p:nvSpPr>
+        <p:spPr>
+          <a:ln/>
+        </p:spPr>
+        <p:txBody>
+          <a:bodyPr/>
+          <a:lstStyle/>
+          <a:p>
             <a:fld id="{53026354-04AC-426C-99FF-2A4346182332}" type="slidenum">
               <a:rPr lang="en-US"/>
               <a:pPr/>
-              <a:t>14</a:t>
+              <a:t>19</a:t>
             </a:fld>
             <a:endParaRPr lang="en-US"/>
           </a:p>
@@ -3925,7 +4351,7 @@
           <a:graphicData uri="http://schemas.openxmlformats.org/presentationml/2006/ole">
             <mc:AlternateContent xmlns:mc="http://schemas.openxmlformats.org/markup-compatibility/2006">
               <mc:Choice xmlns:v="urn:schemas-microsoft-com:vml" Requires="v">
-                <p:oleObj spid="_x0000_s576558" name="Equation" r:id="rId4" imgW="1346040" imgH="406080" progId="Equation.DSMT4">
+                <p:oleObj spid="_x0000_s576564" name="Equation" r:id="rId4" imgW="1346040" imgH="406080" progId="Equation.DSMT4">
                   <p:embed/>
                 </p:oleObj>
               </mc:Choice>
@@ -4101,8 +4527,12 @@
           <a:lstStyle/>
           <a:p>
             <a:r>
+              <a:rPr lang="en-US" dirty="0" err="1" smtClean="0"/>
+              <a:t>sexgraph</a:t>
+            </a:r>
+            <a:r>
               <a:rPr lang="en-US" dirty="0" smtClean="0"/>
-              <a:t>degrees.</a:t>
+              <a:t>.</a:t>
             </a:r>
             <a:fld id="{F12B3927-AFCA-411B-8D8F-6D769C9711B9}" type="slidenum">
               <a:rPr lang="en-US" smtClean="0"/>
@@ -4134,6 +4564,720 @@
           <a:lstStyle/>
           <a:p>
             <a:r>
+              <a:rPr lang="en-US" sz="2800" dirty="0"/>
+              <a:t>Sex in America: Men more Promiscuous?</a:t>
+            </a:r>
+          </a:p>
+        </p:txBody>
+      </p:sp>
+      <p:sp>
+        <p:nvSpPr>
+          <p:cNvPr id="2" name="TextBox 1"/>
+          <p:cNvSpPr txBox="1"/>
+          <p:nvPr/>
+        </p:nvSpPr>
+        <p:spPr>
+          <a:xfrm>
+            <a:off x="438038" y="1014365"/>
+            <a:ext cx="8792792" cy="4721291"/>
+          </a:xfrm>
+          <a:prstGeom prst="rect">
+            <a:avLst/>
+          </a:prstGeom>
+          <a:noFill/>
+        </p:spPr>
+        <p:txBody>
+          <a:bodyPr wrap="none" rtlCol="0">
+            <a:spAutoFit/>
+          </a:bodyPr>
+          <a:lstStyle/>
+          <a:p>
+            <a:pPr marL="457200" indent="-457200"/>
+            <a:r>
+              <a:rPr lang="en-US" dirty="0" err="1" smtClean="0"/>
+              <a:t>Univ</a:t>
+            </a:r>
+            <a:r>
+              <a:rPr lang="en-US" dirty="0" smtClean="0"/>
+              <a:t> </a:t>
+            </a:r>
+            <a:r>
+              <a:rPr lang="en-US" dirty="0"/>
+              <a:t>Chicago, </a:t>
+            </a:r>
+            <a:r>
+              <a:rPr lang="en-US" i="1" dirty="0" smtClean="0"/>
+              <a:t>The </a:t>
+            </a:r>
+            <a:r>
+              <a:rPr lang="en-US" i="1" dirty="0"/>
+              <a:t>Social </a:t>
+            </a:r>
+            <a:r>
+              <a:rPr lang="en-US" i="1" dirty="0" smtClean="0"/>
+              <a:t>Organization </a:t>
+            </a:r>
+          </a:p>
+          <a:p>
+            <a:pPr>
+              <a:buNone/>
+            </a:pPr>
+            <a:r>
+              <a:rPr lang="en-US" i="1" dirty="0" smtClean="0"/>
+              <a:t>  of Sexuality</a:t>
+            </a:r>
+            <a:r>
+              <a:rPr lang="en-US" dirty="0" smtClean="0"/>
+              <a:t>, 1994: men have </a:t>
+            </a:r>
+            <a:r>
+              <a:rPr lang="en-US" dirty="0" smtClean="0">
+                <a:solidFill>
+                  <a:srgbClr val="0000FF"/>
+                </a:solidFill>
+              </a:rPr>
+              <a:t>74%</a:t>
+            </a:r>
+            <a:r>
+              <a:rPr lang="en-US" dirty="0" smtClean="0"/>
+              <a:t> more</a:t>
+            </a:r>
+          </a:p>
+          <a:p>
+            <a:pPr>
+              <a:buNone/>
+            </a:pPr>
+            <a:r>
+              <a:rPr lang="en-US" dirty="0" smtClean="0"/>
+              <a:t>  women partners than women have men</a:t>
+            </a:r>
+          </a:p>
+          <a:p>
+            <a:pPr marL="457200" indent="-457200"/>
+            <a:r>
+              <a:rPr lang="en-US" dirty="0" smtClean="0"/>
+              <a:t>NBC News, </a:t>
+            </a:r>
+            <a:r>
+              <a:rPr lang="en-US" i="1" dirty="0" smtClean="0"/>
+              <a:t>American Sex Survey</a:t>
+            </a:r>
+            <a:r>
+              <a:rPr lang="en-US" dirty="0" smtClean="0"/>
+              <a:t>, 2004:</a:t>
+            </a:r>
+          </a:p>
+          <a:p>
+            <a:pPr>
+              <a:buNone/>
+            </a:pPr>
+            <a:r>
+              <a:rPr lang="en-US" dirty="0"/>
+              <a:t>  men have </a:t>
+            </a:r>
+            <a:r>
+              <a:rPr lang="en-US" dirty="0">
+                <a:solidFill>
+                  <a:srgbClr val="0000FF"/>
+                </a:solidFill>
+              </a:rPr>
+              <a:t>233%</a:t>
+            </a:r>
+            <a:r>
+              <a:rPr lang="en-US" dirty="0"/>
+              <a:t> more women </a:t>
+            </a:r>
+            <a:r>
+              <a:rPr lang="en-US" dirty="0" smtClean="0"/>
+              <a:t>partners</a:t>
+            </a:r>
+          </a:p>
+          <a:p>
+            <a:pPr marL="457200" indent="-457200"/>
+            <a:r>
+              <a:rPr lang="en-US" dirty="0" smtClean="0"/>
+              <a:t>U.S. National Center for Health Statistics</a:t>
+            </a:r>
+          </a:p>
+          <a:p>
+            <a:pPr>
+              <a:buNone/>
+            </a:pPr>
+            <a:r>
+              <a:rPr lang="en-US" dirty="0"/>
+              <a:t> </a:t>
+            </a:r>
+            <a:r>
+              <a:rPr lang="en-US" dirty="0" smtClean="0"/>
+              <a:t> study, </a:t>
+            </a:r>
+            <a:r>
+              <a:rPr lang="en-US" dirty="0"/>
+              <a:t>2007: men have </a:t>
+            </a:r>
+            <a:r>
+              <a:rPr lang="en-US" dirty="0" smtClean="0">
+                <a:solidFill>
+                  <a:srgbClr val="0000FF"/>
+                </a:solidFill>
+              </a:rPr>
+              <a:t>175</a:t>
+            </a:r>
+            <a:r>
+              <a:rPr lang="en-US" dirty="0" smtClean="0"/>
+              <a:t>% </a:t>
+            </a:r>
+            <a:r>
+              <a:rPr lang="en-US" dirty="0"/>
+              <a:t>more </a:t>
+            </a:r>
+            <a:r>
+              <a:rPr lang="en-US" dirty="0" smtClean="0"/>
+              <a:t>women</a:t>
+            </a:r>
+          </a:p>
+          <a:p>
+            <a:pPr>
+              <a:buNone/>
+            </a:pPr>
+            <a:r>
+              <a:rPr lang="en-US" dirty="0"/>
+              <a:t> </a:t>
+            </a:r>
+            <a:r>
+              <a:rPr lang="en-US" dirty="0" smtClean="0"/>
+              <a:t> </a:t>
+            </a:r>
+            <a:r>
+              <a:rPr lang="en-US" dirty="0"/>
+              <a:t>partners</a:t>
+            </a:r>
+          </a:p>
+        </p:txBody>
+      </p:sp>
+    </p:spTree>
+    <p:extLst>
+      <p:ext uri="{BB962C8B-B14F-4D97-AF65-F5344CB8AC3E}">
+        <p14:creationId xmlns:p14="http://schemas.microsoft.com/office/powerpoint/2010/main" val="1306787348"/>
+      </p:ext>
+    </p:extLst>
+  </p:cSld>
+  <p:clrMapOvr>
+    <a:masterClrMapping/>
+  </p:clrMapOvr>
+  <mc:AlternateContent xmlns:mc="http://schemas.openxmlformats.org/markup-compatibility/2006" xmlns:p14="http://schemas.microsoft.com/office/powerpoint/2010/main">
+    <mc:Choice Requires="p14">
+      <p:transition spd="slow" p14:dur="1100" advClick="0">
+        <p:fade thruBlk="1"/>
+      </p:transition>
+    </mc:Choice>
+    <mc:Fallback xmlns="">
+      <p:transition xmlns:p14="http://schemas.microsoft.com/office/powerpoint/2010/main" spd="slow" advClick="0">
+        <p:fade thruBlk="1"/>
+      </p:transition>
+    </mc:Fallback>
+  </mc:AlternateContent>
+  <p:timing>
+    <p:tnLst>
+      <p:par>
+        <p:cTn xmlns:p14="http://schemas.microsoft.com/office/powerpoint/2010/main" id="1" dur="indefinite" restart="never" nodeType="tmRoot">
+          <p:childTnLst>
+            <p:seq concurrent="1" nextAc="seek">
+              <p:cTn id="2" dur="indefinite" nodeType="mainSeq">
+                <p:childTnLst>
+                  <p:par>
+                    <p:cTn id="3" fill="hold">
+                      <p:stCondLst>
+                        <p:cond delay="indefinite"/>
+                      </p:stCondLst>
+                      <p:childTnLst>
+                        <p:par>
+                          <p:cTn id="4" fill="hold">
+                            <p:stCondLst>
+                              <p:cond delay="0"/>
+                            </p:stCondLst>
+                            <p:childTnLst>
+                              <p:par>
+                                <p:cTn id="5" presetID="10" presetClass="entr" presetSubtype="0" fill="hold" nodeType="clickEffect">
+                                  <p:stCondLst>
+                                    <p:cond delay="0"/>
+                                  </p:stCondLst>
+                                  <p:childTnLst>
+                                    <p:set>
+                                      <p:cBhvr>
+                                        <p:cTn id="6" dur="1" fill="hold">
+                                          <p:stCondLst>
+                                            <p:cond delay="0"/>
+                                          </p:stCondLst>
+                                        </p:cTn>
+                                        <p:tgtEl>
+                                          <p:spTgt spid="2">
+                                            <p:txEl>
+                                              <p:pRg st="0" end="0"/>
+                                            </p:txEl>
+                                          </p:spTgt>
+                                        </p:tgtEl>
+                                        <p:attrNameLst>
+                                          <p:attrName>style.visibility</p:attrName>
+                                        </p:attrNameLst>
+                                      </p:cBhvr>
+                                      <p:to>
+                                        <p:strVal val="visible"/>
+                                      </p:to>
+                                    </p:set>
+                                    <p:animEffect transition="in" filter="fade">
+                                      <p:cBhvr>
+                                        <p:cTn id="7" dur="500"/>
+                                        <p:tgtEl>
+                                          <p:spTgt spid="2">
+                                            <p:txEl>
+                                              <p:pRg st="0" end="0"/>
+                                            </p:txEl>
+                                          </p:spTgt>
+                                        </p:tgtEl>
+                                      </p:cBhvr>
+                                    </p:animEffect>
+                                  </p:childTnLst>
+                                </p:cTn>
+                              </p:par>
+                              <p:par>
+                                <p:cTn id="8" presetID="10" presetClass="entr" presetSubtype="0" fill="hold" nodeType="withEffect">
+                                  <p:stCondLst>
+                                    <p:cond delay="0"/>
+                                  </p:stCondLst>
+                                  <p:childTnLst>
+                                    <p:set>
+                                      <p:cBhvr>
+                                        <p:cTn id="9" dur="1" fill="hold">
+                                          <p:stCondLst>
+                                            <p:cond delay="0"/>
+                                          </p:stCondLst>
+                                        </p:cTn>
+                                        <p:tgtEl>
+                                          <p:spTgt spid="2">
+                                            <p:txEl>
+                                              <p:pRg st="1" end="1"/>
+                                            </p:txEl>
+                                          </p:spTgt>
+                                        </p:tgtEl>
+                                        <p:attrNameLst>
+                                          <p:attrName>style.visibility</p:attrName>
+                                        </p:attrNameLst>
+                                      </p:cBhvr>
+                                      <p:to>
+                                        <p:strVal val="visible"/>
+                                      </p:to>
+                                    </p:set>
+                                    <p:animEffect transition="in" filter="fade">
+                                      <p:cBhvr>
+                                        <p:cTn id="10" dur="500"/>
+                                        <p:tgtEl>
+                                          <p:spTgt spid="2">
+                                            <p:txEl>
+                                              <p:pRg st="1" end="1"/>
+                                            </p:txEl>
+                                          </p:spTgt>
+                                        </p:tgtEl>
+                                      </p:cBhvr>
+                                    </p:animEffect>
+                                  </p:childTnLst>
+                                </p:cTn>
+                              </p:par>
+                              <p:par>
+                                <p:cTn id="11" presetID="10" presetClass="entr" presetSubtype="0" fill="hold" nodeType="withEffect">
+                                  <p:stCondLst>
+                                    <p:cond delay="0"/>
+                                  </p:stCondLst>
+                                  <p:childTnLst>
+                                    <p:set>
+                                      <p:cBhvr>
+                                        <p:cTn id="12" dur="1" fill="hold">
+                                          <p:stCondLst>
+                                            <p:cond delay="0"/>
+                                          </p:stCondLst>
+                                        </p:cTn>
+                                        <p:tgtEl>
+                                          <p:spTgt spid="2">
+                                            <p:txEl>
+                                              <p:pRg st="2" end="2"/>
+                                            </p:txEl>
+                                          </p:spTgt>
+                                        </p:tgtEl>
+                                        <p:attrNameLst>
+                                          <p:attrName>style.visibility</p:attrName>
+                                        </p:attrNameLst>
+                                      </p:cBhvr>
+                                      <p:to>
+                                        <p:strVal val="visible"/>
+                                      </p:to>
+                                    </p:set>
+                                    <p:animEffect transition="in" filter="fade">
+                                      <p:cBhvr>
+                                        <p:cTn id="13" dur="500"/>
+                                        <p:tgtEl>
+                                          <p:spTgt spid="2">
+                                            <p:txEl>
+                                              <p:pRg st="2" end="2"/>
+                                            </p:txEl>
+                                          </p:spTgt>
+                                        </p:tgtEl>
+                                      </p:cBhvr>
+                                    </p:animEffect>
+                                  </p:childTnLst>
+                                </p:cTn>
+                              </p:par>
+                            </p:childTnLst>
+                          </p:cTn>
+                        </p:par>
+                      </p:childTnLst>
+                    </p:cTn>
+                  </p:par>
+                  <p:par>
+                    <p:cTn id="14" fill="hold">
+                      <p:stCondLst>
+                        <p:cond delay="indefinite"/>
+                      </p:stCondLst>
+                      <p:childTnLst>
+                        <p:par>
+                          <p:cTn id="15" fill="hold">
+                            <p:stCondLst>
+                              <p:cond delay="0"/>
+                            </p:stCondLst>
+                            <p:childTnLst>
+                              <p:par>
+                                <p:cTn id="16" presetID="10" presetClass="entr" presetSubtype="0" fill="hold" nodeType="clickEffect">
+                                  <p:stCondLst>
+                                    <p:cond delay="0"/>
+                                  </p:stCondLst>
+                                  <p:childTnLst>
+                                    <p:set>
+                                      <p:cBhvr>
+                                        <p:cTn id="17" dur="1" fill="hold">
+                                          <p:stCondLst>
+                                            <p:cond delay="0"/>
+                                          </p:stCondLst>
+                                        </p:cTn>
+                                        <p:tgtEl>
+                                          <p:spTgt spid="2">
+                                            <p:txEl>
+                                              <p:pRg st="3" end="3"/>
+                                            </p:txEl>
+                                          </p:spTgt>
+                                        </p:tgtEl>
+                                        <p:attrNameLst>
+                                          <p:attrName>style.visibility</p:attrName>
+                                        </p:attrNameLst>
+                                      </p:cBhvr>
+                                      <p:to>
+                                        <p:strVal val="visible"/>
+                                      </p:to>
+                                    </p:set>
+                                    <p:animEffect transition="in" filter="fade">
+                                      <p:cBhvr>
+                                        <p:cTn id="18" dur="500"/>
+                                        <p:tgtEl>
+                                          <p:spTgt spid="2">
+                                            <p:txEl>
+                                              <p:pRg st="3" end="3"/>
+                                            </p:txEl>
+                                          </p:spTgt>
+                                        </p:tgtEl>
+                                      </p:cBhvr>
+                                    </p:animEffect>
+                                  </p:childTnLst>
+                                </p:cTn>
+                              </p:par>
+                              <p:par>
+                                <p:cTn id="19" presetID="10" presetClass="entr" presetSubtype="0" fill="hold" nodeType="withEffect">
+                                  <p:stCondLst>
+                                    <p:cond delay="0"/>
+                                  </p:stCondLst>
+                                  <p:childTnLst>
+                                    <p:set>
+                                      <p:cBhvr>
+                                        <p:cTn id="20" dur="1" fill="hold">
+                                          <p:stCondLst>
+                                            <p:cond delay="0"/>
+                                          </p:stCondLst>
+                                        </p:cTn>
+                                        <p:tgtEl>
+                                          <p:spTgt spid="2">
+                                            <p:txEl>
+                                              <p:pRg st="4" end="4"/>
+                                            </p:txEl>
+                                          </p:spTgt>
+                                        </p:tgtEl>
+                                        <p:attrNameLst>
+                                          <p:attrName>style.visibility</p:attrName>
+                                        </p:attrNameLst>
+                                      </p:cBhvr>
+                                      <p:to>
+                                        <p:strVal val="visible"/>
+                                      </p:to>
+                                    </p:set>
+                                    <p:animEffect transition="in" filter="fade">
+                                      <p:cBhvr>
+                                        <p:cTn id="21" dur="500"/>
+                                        <p:tgtEl>
+                                          <p:spTgt spid="2">
+                                            <p:txEl>
+                                              <p:pRg st="4" end="4"/>
+                                            </p:txEl>
+                                          </p:spTgt>
+                                        </p:tgtEl>
+                                      </p:cBhvr>
+                                    </p:animEffect>
+                                  </p:childTnLst>
+                                </p:cTn>
+                              </p:par>
+                            </p:childTnLst>
+                          </p:cTn>
+                        </p:par>
+                      </p:childTnLst>
+                    </p:cTn>
+                  </p:par>
+                  <p:par>
+                    <p:cTn id="22" fill="hold">
+                      <p:stCondLst>
+                        <p:cond delay="indefinite"/>
+                      </p:stCondLst>
+                      <p:childTnLst>
+                        <p:par>
+                          <p:cTn id="23" fill="hold">
+                            <p:stCondLst>
+                              <p:cond delay="0"/>
+                            </p:stCondLst>
+                            <p:childTnLst>
+                              <p:par>
+                                <p:cTn id="24" presetID="10" presetClass="entr" presetSubtype="0" fill="hold" nodeType="clickEffect">
+                                  <p:stCondLst>
+                                    <p:cond delay="0"/>
+                                  </p:stCondLst>
+                                  <p:childTnLst>
+                                    <p:set>
+                                      <p:cBhvr>
+                                        <p:cTn id="25" dur="1" fill="hold">
+                                          <p:stCondLst>
+                                            <p:cond delay="0"/>
+                                          </p:stCondLst>
+                                        </p:cTn>
+                                        <p:tgtEl>
+                                          <p:spTgt spid="2">
+                                            <p:txEl>
+                                              <p:pRg st="5" end="5"/>
+                                            </p:txEl>
+                                          </p:spTgt>
+                                        </p:tgtEl>
+                                        <p:attrNameLst>
+                                          <p:attrName>style.visibility</p:attrName>
+                                        </p:attrNameLst>
+                                      </p:cBhvr>
+                                      <p:to>
+                                        <p:strVal val="visible"/>
+                                      </p:to>
+                                    </p:set>
+                                    <p:animEffect transition="in" filter="fade">
+                                      <p:cBhvr>
+                                        <p:cTn id="26" dur="500"/>
+                                        <p:tgtEl>
+                                          <p:spTgt spid="2">
+                                            <p:txEl>
+                                              <p:pRg st="5" end="5"/>
+                                            </p:txEl>
+                                          </p:spTgt>
+                                        </p:tgtEl>
+                                      </p:cBhvr>
+                                    </p:animEffect>
+                                  </p:childTnLst>
+                                </p:cTn>
+                              </p:par>
+                              <p:par>
+                                <p:cTn id="27" presetID="10" presetClass="entr" presetSubtype="0" fill="hold" nodeType="withEffect">
+                                  <p:stCondLst>
+                                    <p:cond delay="0"/>
+                                  </p:stCondLst>
+                                  <p:childTnLst>
+                                    <p:set>
+                                      <p:cBhvr>
+                                        <p:cTn id="28" dur="1" fill="hold">
+                                          <p:stCondLst>
+                                            <p:cond delay="0"/>
+                                          </p:stCondLst>
+                                        </p:cTn>
+                                        <p:tgtEl>
+                                          <p:spTgt spid="2">
+                                            <p:txEl>
+                                              <p:pRg st="6" end="6"/>
+                                            </p:txEl>
+                                          </p:spTgt>
+                                        </p:tgtEl>
+                                        <p:attrNameLst>
+                                          <p:attrName>style.visibility</p:attrName>
+                                        </p:attrNameLst>
+                                      </p:cBhvr>
+                                      <p:to>
+                                        <p:strVal val="visible"/>
+                                      </p:to>
+                                    </p:set>
+                                    <p:animEffect transition="in" filter="fade">
+                                      <p:cBhvr>
+                                        <p:cTn id="29" dur="500"/>
+                                        <p:tgtEl>
+                                          <p:spTgt spid="2">
+                                            <p:txEl>
+                                              <p:pRg st="6" end="6"/>
+                                            </p:txEl>
+                                          </p:spTgt>
+                                        </p:tgtEl>
+                                      </p:cBhvr>
+                                    </p:animEffect>
+                                  </p:childTnLst>
+                                </p:cTn>
+                              </p:par>
+                              <p:par>
+                                <p:cTn id="30" presetID="10" presetClass="entr" presetSubtype="0" fill="hold" nodeType="withEffect">
+                                  <p:stCondLst>
+                                    <p:cond delay="0"/>
+                                  </p:stCondLst>
+                                  <p:childTnLst>
+                                    <p:set>
+                                      <p:cBhvr>
+                                        <p:cTn id="31" dur="1" fill="hold">
+                                          <p:stCondLst>
+                                            <p:cond delay="0"/>
+                                          </p:stCondLst>
+                                        </p:cTn>
+                                        <p:tgtEl>
+                                          <p:spTgt spid="2">
+                                            <p:txEl>
+                                              <p:pRg st="7" end="7"/>
+                                            </p:txEl>
+                                          </p:spTgt>
+                                        </p:tgtEl>
+                                        <p:attrNameLst>
+                                          <p:attrName>style.visibility</p:attrName>
+                                        </p:attrNameLst>
+                                      </p:cBhvr>
+                                      <p:to>
+                                        <p:strVal val="visible"/>
+                                      </p:to>
+                                    </p:set>
+                                    <p:animEffect transition="in" filter="fade">
+                                      <p:cBhvr>
+                                        <p:cTn id="32" dur="500"/>
+                                        <p:tgtEl>
+                                          <p:spTgt spid="2">
+                                            <p:txEl>
+                                              <p:pRg st="7" end="7"/>
+                                            </p:txEl>
+                                          </p:spTgt>
+                                        </p:tgtEl>
+                                      </p:cBhvr>
+                                    </p:animEffect>
+                                  </p:childTnLst>
+                                </p:cTn>
+                              </p:par>
+                            </p:childTnLst>
+                          </p:cTn>
+                        </p:par>
+                      </p:childTnLst>
+                    </p:cTn>
+                  </p:par>
+                </p:childTnLst>
+              </p:cTn>
+              <p:prevCondLst>
+                <p:cond evt="onPrev" delay="0">
+                  <p:tgtEl>
+                    <p:sldTgt/>
+                  </p:tgtEl>
+                </p:cond>
+              </p:prevCondLst>
+              <p:nextCondLst>
+                <p:cond evt="onNext" delay="0">
+                  <p:tgtEl>
+                    <p:sldTgt/>
+                  </p:tgtEl>
+                </p:cond>
+              </p:nextCondLst>
+            </p:seq>
+          </p:childTnLst>
+        </p:cTn>
+      </p:par>
+    </p:tnLst>
+  </p:timing>
+</p:sld>
+</file>
+
+<file path=ppt/slides/slide12.xml><?xml version="1.0" encoding="utf-8"?>
+<p:sld xmlns:a="http://schemas.openxmlformats.org/drawingml/2006/main" xmlns:r="http://schemas.openxmlformats.org/officeDocument/2006/relationships" xmlns:p="http://schemas.openxmlformats.org/presentationml/2006/main">
+  <p:cSld>
+    <p:spTree>
+      <p:nvGrpSpPr>
+        <p:cNvPr id="1" name=""/>
+        <p:cNvGrpSpPr/>
+        <p:nvPr/>
+      </p:nvGrpSpPr>
+      <p:grpSpPr>
+        <a:xfrm>
+          <a:off x="0" y="0"/>
+          <a:ext cx="0" cy="0"/>
+          <a:chOff x="0" y="0"/>
+          <a:chExt cx="0" cy="0"/>
+        </a:xfrm>
+      </p:grpSpPr>
+      <p:sp>
+        <p:nvSpPr>
+          <p:cNvPr id="5" name="Slide Number Placeholder 3"/>
+          <p:cNvSpPr>
+            <a:spLocks noGrp="1"/>
+          </p:cNvSpPr>
+          <p:nvPr>
+            <p:ph type="sldNum" sz="quarter" idx="10"/>
+          </p:nvPr>
+        </p:nvSpPr>
+        <p:spPr/>
+        <p:txBody>
+          <a:bodyPr/>
+          <a:lstStyle/>
+          <a:p>
+            <a:r>
+              <a:rPr lang="en-US" dirty="0" err="1" smtClean="0"/>
+              <a:t>sexgraph</a:t>
+            </a:r>
+            <a:r>
+              <a:rPr lang="en-US" dirty="0" smtClean="0"/>
+              <a:t>.</a:t>
+            </a:r>
+            <a:fld id="{F12B3927-AFCA-411B-8D8F-6D769C9711B9}" type="slidenum">
+              <a:rPr lang="en-US" smtClean="0"/>
+              <a:pPr/>
+              <a:t>12</a:t>
+            </a:fld>
+            <a:endParaRPr lang="en-US" dirty="0"/>
+          </a:p>
+        </p:txBody>
+      </p:sp>
+      <p:sp>
+        <p:nvSpPr>
+          <p:cNvPr id="656386" name="Rectangle 2"/>
+          <p:cNvSpPr>
+            <a:spLocks noGrp="1" noChangeArrowheads="1"/>
+          </p:cNvSpPr>
+          <p:nvPr>
+            <p:ph type="title"/>
+          </p:nvPr>
+        </p:nvSpPr>
+        <p:spPr>
+          <a:xfrm>
+            <a:off x="1376363" y="0"/>
+            <a:ext cx="7543800" cy="1143000"/>
+          </a:xfrm>
+        </p:spPr>
+        <p:txBody>
+          <a:bodyPr/>
+          <a:lstStyle/>
+          <a:p>
+            <a:r>
               <a:rPr lang="en-US" sz="2800"/>
               <a:t>Sex in America: Men more Promiscuous?</a:t>
             </a:r>
@@ -4150,8 +5294,8 @@
         </p:nvSpPr>
         <p:spPr bwMode="auto">
           <a:xfrm>
-            <a:off x="633413" y="1182688"/>
-            <a:ext cx="7892756" cy="2431435"/>
+            <a:off x="663722" y="989648"/>
+            <a:ext cx="7819381" cy="3108543"/>
           </a:xfrm>
           <a:prstGeom prst="rect">
             <a:avLst/>
@@ -4179,8 +5323,8 @@
               <a:buNone/>
             </a:pPr>
             <a:r>
-              <a:rPr lang="en-US" sz="4400" dirty="0"/>
-              <a:t>Study claims:</a:t>
+              <a:rPr lang="en-US" sz="4400" dirty="0" smtClean="0"/>
+              <a:t>Studies claim different %’s</a:t>
             </a:r>
           </a:p>
           <a:p>
@@ -4192,12 +5336,42 @@
               <a:buNone/>
             </a:pPr>
             <a:r>
+              <a:rPr lang="en-US" sz="4400" dirty="0" smtClean="0"/>
+              <a:t>but agree that</a:t>
+            </a:r>
+            <a:endParaRPr lang="en-US" sz="4400" dirty="0"/>
+          </a:p>
+          <a:p>
+            <a:pPr>
+              <a:spcBef>
+                <a:spcPct val="0"/>
+              </a:spcBef>
+              <a:buFontTx/>
+              <a:buNone/>
+            </a:pPr>
+            <a:r>
               <a:rPr lang="en-US" sz="5400" dirty="0">
                 <a:solidFill>
                   <a:srgbClr val="9F009F"/>
                 </a:solidFill>
               </a:rPr>
-              <a:t>Men average many more </a:t>
+              <a:t>m</a:t>
+            </a:r>
+            <a:r>
+              <a:rPr lang="en-US" sz="5400" dirty="0" smtClean="0">
+                <a:solidFill>
+                  <a:srgbClr val="9F009F"/>
+                </a:solidFill>
+              </a:rPr>
+              <a:t>en </a:t>
+            </a:r>
+            <a:r>
+              <a:rPr lang="en-US" sz="5400" dirty="0">
+                <a:solidFill>
+                  <a:srgbClr val="9F009F"/>
+                </a:solidFill>
+              </a:rPr>
+              <a:t>average many more </a:t>
             </a:r>
           </a:p>
           <a:p>
@@ -4229,7 +5403,7 @@
         </p:nvSpPr>
         <p:spPr bwMode="auto">
           <a:xfrm>
-            <a:off x="1811338" y="3851275"/>
+            <a:off x="1730058" y="4247515"/>
             <a:ext cx="5837237" cy="1555750"/>
           </a:xfrm>
           <a:prstGeom prst="rect">
@@ -4286,19 +5460,24 @@
         </p:txBody>
       </p:sp>
     </p:spTree>
+    <p:extLst>
+      <p:ext uri="{BB962C8B-B14F-4D97-AF65-F5344CB8AC3E}">
+        <p14:creationId xmlns:p14="http://schemas.microsoft.com/office/powerpoint/2010/main" val="167841753"/>
+      </p:ext>
+    </p:extLst>
   </p:cSld>
   <p:clrMapOvr>
     <a:masterClrMapping/>
   </p:clrMapOvr>
-  <mc:AlternateContent xmlns:mc="http://schemas.openxmlformats.org/markup-compatibility/2006">
-    <mc:Choice xmlns:p14="http://schemas.microsoft.com/office/powerpoint/2010/main" Requires="p14">
-      <p:transition spd="slow" p14:dur="1100" advClick="0">
-        <p:fade thruBlk="1"/>
+  <mc:AlternateContent xmlns:mc="http://schemas.openxmlformats.org/markup-compatibility/2006" xmlns:p14="http://schemas.microsoft.com/office/powerpoint/2010/main">
+    <mc:Choice Requires="p14">
+      <p:transition spd="med" p14:dur="700" advClick="0">
+        <p:fade/>
       </p:transition>
     </mc:Choice>
-    <mc:Fallback>
-      <p:transition xmlns:p14="http://schemas.microsoft.com/office/powerpoint/2010/main" spd="slow" advClick="0">
-        <p:fade thruBlk="1"/>
+    <mc:Fallback xmlns="">
+      <p:transition xmlns:p14="http://schemas.microsoft.com/office/powerpoint/2010/main" spd="med" advClick="0">
+        <p:fade/>
       </p:transition>
     </mc:Fallback>
   </mc:AlternateContent>
@@ -4323,7 +5502,7 @@
                             </p:stCondLst>
                             <p:childTnLst>
                               <p:par>
-                                <p:cTn id="5" presetID="9" presetClass="entr" presetSubtype="0" fill="hold" grpId="0" nodeType="clickEffect">
+                                <p:cTn id="5" presetID="10" presetClass="entr" presetSubtype="0" fill="hold" nodeType="clickEffect">
                                   <p:stCondLst>
                                     <p:cond delay="0"/>
                                   </p:stCondLst>
@@ -4336,7 +5515,11 @@
                                           </p:stCondLst>
                                         </p:cTn>
                                         <p:tgtEl>
-                                          <p:spTgt spid="656388"/>
+                                          <p:spTgt spid="656388">
+                                            <p:txEl>
+                                              <p:pRg st="2" end="2"/>
+                                            </p:txEl>
+                                          </p:spTgt>
                                         </p:tgtEl>
                                         <p:attrNameLst>
                                           <p:attrName>style.visibility</p:attrName>
@@ -4346,11 +5529,58 @@
                                         <p:strVal val="visible"/>
                                       </p:to>
                                     </p:set>
-                                    <p:animEffect transition="in" filter="dissolve">
+                                    <p:animEffect transition="in" filter="fade">
                                       <p:cBhvr>
                                         <p:cTn id="7" dur="500"/>
                                         <p:tgtEl>
-                                          <p:spTgt spid="656388"/>
+                                          <p:spTgt spid="656388">
+                                            <p:txEl>
+                                              <p:pRg st="2" end="2"/>
+                                            </p:txEl>
+                                          </p:spTgt>
+                                        </p:tgtEl>
+                                      </p:cBhvr>
+                                    </p:animEffect>
+                                  </p:childTnLst>
+                                </p:cTn>
+                              </p:par>
+                              <p:par>
+                                <p:cTn id="8" presetID="10" presetClass="entr" presetSubtype="0" fill="hold" nodeType="withEffect">
+                                  <p:stCondLst>
+                                    <p:cond delay="0"/>
+                                  </p:stCondLst>
+                                  <p:childTnLst>
+                                    <p:set>
+                                      <p:cBhvr>
+                                        <p:cTn id="9" dur="1" fill="hold">
+                                          <p:stCondLst>
+                                            <p:cond delay="0"/>
+                                          </p:stCondLst>
+                                        </p:cTn>
+                                        <p:tgtEl>
+                                          <p:spTgt spid="656388">
+                                            <p:txEl>
+                                              <p:pRg st="3" end="3"/>
+                                            </p:txEl>
+                                          </p:spTgt>
+                                        </p:tgtEl>
+                                        <p:attrNameLst>
+                                          <p:attrName>style.visibility</p:attrName>
+                                        </p:attrNameLst>
+                                      </p:cBhvr>
+                                      <p:to>
+                                        <p:strVal val="visible"/>
+                                      </p:to>
+                                    </p:set>
+                                    <p:animEffect transition="in" filter="fade">
+                                      <p:cBhvr>
+                                        <p:cTn id="10" dur="500"/>
+                                        <p:tgtEl>
+                                          <p:spTgt spid="656388">
+                                            <p:txEl>
+                                              <p:pRg st="3" end="3"/>
+                                            </p:txEl>
+                                          </p:spTgt>
                                         </p:tgtEl>
                                       </p:cBhvr>
                                     </p:animEffect>
@@ -4364,26 +5594,26 @@
                     </p:cTn>
                   </p:par>
                   <p:par>
-                    <p:cTn id="8" fill="hold">
+                    <p:cTn id="11" fill="hold">
                       <p:stCondLst>
                         <p:cond delay="indefinite"/>
                       </p:stCondLst>
                       <p:childTnLst>
                         <p:par>
-                          <p:cTn id="9" fill="hold">
+                          <p:cTn id="12" fill="hold">
                             <p:stCondLst>
                               <p:cond delay="0"/>
                             </p:stCondLst>
                             <p:childTnLst>
                               <p:par>
-                                <p:cTn id="10" presetID="9" presetClass="entr" presetSubtype="0" fill="hold" nodeType="clickEffect">
+                                <p:cTn id="13" presetID="9" presetClass="entr" presetSubtype="0" fill="hold" nodeType="clickEffect">
                                   <p:stCondLst>
                                     <p:cond delay="0"/>
                                   </p:stCondLst>
                                   <p:childTnLst>
                                     <p:set>
                                       <p:cBhvr>
-                                        <p:cTn id="11" dur="1" fill="hold">
+                                        <p:cTn id="14" dur="1" fill="hold">
                                           <p:stCondLst>
                                             <p:cond delay="0"/>
                                           </p:stCondLst>
@@ -4405,7 +5635,7 @@
                                     </p:set>
                                     <p:animEffect transition="in" filter="dissolve">
                                       <p:cBhvr>
-                                        <p:cTn id="12" dur="500"/>
+                                        <p:cTn id="15" dur="500"/>
                                         <p:tgtEl>
                                           <p:spTgt spid="656389">
                                             <p:txEl>
@@ -4419,14 +5649,14 @@
                                 </p:cTn>
                               </p:par>
                               <p:par>
-                                <p:cTn id="13" presetID="9" presetClass="entr" presetSubtype="0" fill="hold" nodeType="withEffect">
+                                <p:cTn id="16" presetID="9" presetClass="entr" presetSubtype="0" fill="hold" nodeType="withEffect">
                                   <p:stCondLst>
                                     <p:cond delay="0"/>
                                   </p:stCondLst>
                                   <p:childTnLst>
                                     <p:set>
                                       <p:cBhvr>
-                                        <p:cTn id="14" dur="1" fill="hold">
+                                        <p:cTn id="17" dur="1" fill="hold">
                                           <p:stCondLst>
                                             <p:cond delay="0"/>
                                           </p:stCondLst>
@@ -4448,7 +5678,7 @@
                                     </p:set>
                                     <p:animEffect transition="in" filter="dissolve">
                                       <p:cBhvr>
-                                        <p:cTn id="15" dur="500"/>
+                                        <p:cTn id="18" dur="500"/>
                                         <p:tgtEl>
                                           <p:spTgt spid="656389">
                                             <p:txEl>
@@ -4488,14 +5718,11 @@
         </p:cTn>
       </p:par>
     </p:tnLst>
-    <p:bldLst>
-      <p:bldP spid="656388" grpId="0"/>
-    </p:bldLst>
   </p:timing>
 </p:sld>
 </file>
 
-<file path=ppt/slides/slide12.xml><?xml version="1.0" encoding="utf-8"?>
+<file path=ppt/slides/slide13.xml><?xml version="1.0" encoding="utf-8"?>
 <p:sld xmlns:a="http://schemas.openxmlformats.org/drawingml/2006/main" xmlns:r="http://schemas.openxmlformats.org/officeDocument/2006/relationships" xmlns:p="http://schemas.openxmlformats.org/presentationml/2006/main">
   <p:cSld>
     <p:spTree>
@@ -4534,7 +5761,7 @@
             <a:fld id="{CA425DB4-F99B-4E5E-837F-A44D5F82AB30}" type="slidenum">
               <a:rPr lang="en-US" smtClean="0"/>
               <a:pPr/>
-              <a:t>12</a:t>
+              <a:t>13</a:t>
             </a:fld>
             <a:endParaRPr lang="en-US" dirty="0"/>
           </a:p>
@@ -5659,7 +6886,7 @@
 </p:sld>
 </file>
 
-<file path=ppt/slides/slide13.xml><?xml version="1.0" encoding="utf-8"?>
+<file path=ppt/slides/slide14.xml><?xml version="1.0" encoding="utf-8"?>
 <p:sld xmlns:a="http://schemas.openxmlformats.org/drawingml/2006/main" xmlns:r="http://schemas.openxmlformats.org/officeDocument/2006/relationships" xmlns:p="http://schemas.openxmlformats.org/presentationml/2006/main">
   <p:cSld>
     <p:spTree>
@@ -5698,7 +6925,7 @@
             <a:fld id="{2874E848-A3CA-4509-A8E9-981481E18432}" type="slidenum">
               <a:rPr lang="en-US" smtClean="0"/>
               <a:pPr/>
-              <a:t>13</a:t>
+              <a:t>14</a:t>
             </a:fld>
             <a:endParaRPr lang="en-US" dirty="0"/>
           </a:p>
@@ -5728,6 +6955,1482 @@
       </p:sp>
       <p:graphicFrame>
         <p:nvGraphicFramePr>
+          <p:cNvPr id="653320" name="Object 8"/>
+          <p:cNvGraphicFramePr>
+            <a:graphicFrameLocks noChangeAspect="1"/>
+          </p:cNvGraphicFramePr>
+          <p:nvPr>
+            <p:extLst>
+              <p:ext uri="{D42A27DB-BD31-4B8C-83A1-F6EECF244321}">
+                <p14:modId xmlns:p14="http://schemas.microsoft.com/office/powerpoint/2010/main" val="1468743633"/>
+              </p:ext>
+            </p:extLst>
+          </p:nvPr>
+        </p:nvGraphicFramePr>
+        <p:xfrm>
+          <a:off x="1125538" y="957263"/>
+          <a:ext cx="6969125" cy="1962150"/>
+        </p:xfrm>
+        <a:graphic>
+          <a:graphicData uri="http://schemas.openxmlformats.org/presentationml/2006/ole">
+            <mc:AlternateContent xmlns:mc="http://schemas.openxmlformats.org/markup-compatibility/2006">
+              <mc:Choice xmlns:v="urn:schemas-microsoft-com:vml" Requires="v">
+                <p:oleObj spid="_x0000_s1141" name="Equation" r:id="rId4" imgW="2120900" imgH="596900" progId="Equation.DSMT4">
+                  <p:embed/>
+                </p:oleObj>
+              </mc:Choice>
+              <mc:Fallback>
+                <p:oleObj name="Equation" r:id="rId4" imgW="2120900" imgH="596900" progId="Equation.DSMT4">
+                  <p:embed/>
+                  <p:pic>
+                    <p:nvPicPr>
+                      <p:cNvPr id="0" name=""/>
+                      <p:cNvPicPr>
+                        <a:picLocks noChangeAspect="1" noChangeArrowheads="1"/>
+                      </p:cNvPicPr>
+                      <p:nvPr/>
+                    </p:nvPicPr>
+                    <p:blipFill>
+                      <a:blip r:embed="rId5"/>
+                      <a:srcRect/>
+                      <a:stretch>
+                        <a:fillRect/>
+                      </a:stretch>
+                    </p:blipFill>
+                    <p:spPr bwMode="auto">
+                      <a:xfrm>
+                        <a:off x="1125538" y="957263"/>
+                        <a:ext cx="6969125" cy="1962150"/>
+                      </a:xfrm>
+                      <a:prstGeom prst="rect">
+                        <a:avLst/>
+                      </a:prstGeom>
+                      <a:noFill/>
+                      <a:extLst>
+                        <a:ext uri="{909E8E84-426E-40dd-AFC4-6F175D3DCCD1}">
+                          <a14:hiddenFill xmlns:a14="http://schemas.microsoft.com/office/drawing/2010/main">
+                            <a:solidFill>
+                              <a:srgbClr val="FFFFFF"/>
+                            </a:solidFill>
+                          </a14:hiddenFill>
+                        </a:ext>
+                      </a:extLst>
+                    </p:spPr>
+                  </p:pic>
+                </p:oleObj>
+              </mc:Fallback>
+            </mc:AlternateContent>
+          </a:graphicData>
+        </a:graphic>
+      </p:graphicFrame>
+      <p:graphicFrame>
+        <p:nvGraphicFramePr>
+          <p:cNvPr id="9" name="Object 8"/>
+          <p:cNvGraphicFramePr>
+            <a:graphicFrameLocks noChangeAspect="1"/>
+          </p:cNvGraphicFramePr>
+          <p:nvPr>
+            <p:extLst>
+              <p:ext uri="{D42A27DB-BD31-4B8C-83A1-F6EECF244321}">
+                <p14:modId xmlns:p14="http://schemas.microsoft.com/office/powerpoint/2010/main" val="4119569286"/>
+              </p:ext>
+            </p:extLst>
+          </p:nvPr>
+        </p:nvGraphicFramePr>
+        <p:xfrm>
+          <a:off x="1303338" y="2878138"/>
+          <a:ext cx="6592887" cy="1962150"/>
+        </p:xfrm>
+        <a:graphic>
+          <a:graphicData uri="http://schemas.openxmlformats.org/presentationml/2006/ole">
+            <mc:AlternateContent xmlns:mc="http://schemas.openxmlformats.org/markup-compatibility/2006">
+              <mc:Choice xmlns:v="urn:schemas-microsoft-com:vml" Requires="v">
+                <p:oleObj spid="_x0000_s1142" name="Equation" r:id="rId6" imgW="2006600" imgH="596900" progId="Equation.DSMT4">
+                  <p:embed/>
+                </p:oleObj>
+              </mc:Choice>
+              <mc:Fallback>
+                <p:oleObj name="Equation" r:id="rId6" imgW="2006600" imgH="596900" progId="Equation.DSMT4">
+                  <p:embed/>
+                  <p:pic>
+                    <p:nvPicPr>
+                      <p:cNvPr id="0" name=""/>
+                      <p:cNvPicPr>
+                        <a:picLocks noChangeAspect="1" noChangeArrowheads="1"/>
+                      </p:cNvPicPr>
+                      <p:nvPr/>
+                    </p:nvPicPr>
+                    <p:blipFill>
+                      <a:blip r:embed="rId7"/>
+                      <a:srcRect/>
+                      <a:stretch>
+                        <a:fillRect/>
+                      </a:stretch>
+                    </p:blipFill>
+                    <p:spPr bwMode="auto">
+                      <a:xfrm>
+                        <a:off x="1303338" y="2878138"/>
+                        <a:ext cx="6592887" cy="1962150"/>
+                      </a:xfrm>
+                      <a:prstGeom prst="rect">
+                        <a:avLst/>
+                      </a:prstGeom>
+                      <a:noFill/>
+                      <a:extLst>
+                        <a:ext uri="{909E8E84-426E-40dd-AFC4-6F175D3DCCD1}">
+                          <a14:hiddenFill xmlns:a14="http://schemas.microsoft.com/office/drawing/2010/main">
+                            <a:solidFill>
+                              <a:srgbClr val="FFFFFF"/>
+                            </a:solidFill>
+                          </a14:hiddenFill>
+                        </a:ext>
+                      </a:extLst>
+                    </p:spPr>
+                  </p:pic>
+                </p:oleObj>
+              </mc:Fallback>
+            </mc:AlternateContent>
+          </a:graphicData>
+        </a:graphic>
+      </p:graphicFrame>
+    </p:spTree>
+    <p:extLst>
+      <p:ext uri="{BB962C8B-B14F-4D97-AF65-F5344CB8AC3E}">
+        <p14:creationId xmlns:p14="http://schemas.microsoft.com/office/powerpoint/2010/main" val="2330829135"/>
+      </p:ext>
+    </p:extLst>
+  </p:cSld>
+  <p:clrMapOvr>
+    <a:masterClrMapping/>
+  </p:clrMapOvr>
+  <mc:AlternateContent xmlns:mc="http://schemas.openxmlformats.org/markup-compatibility/2006">
+    <mc:Choice xmlns:p14="http://schemas.microsoft.com/office/powerpoint/2010/main" Requires="p14">
+      <p:transition spd="slow" p14:dur="900" advClick="0">
+        <p:fade/>
+      </p:transition>
+    </mc:Choice>
+    <mc:Fallback>
+      <p:transition xmlns:p14="http://schemas.microsoft.com/office/powerpoint/2010/main" spd="slow" advClick="0">
+        <p:fade/>
+      </p:transition>
+    </mc:Fallback>
+  </mc:AlternateContent>
+  <p:timing>
+    <p:tnLst>
+      <p:par>
+        <p:cTn xmlns:p14="http://schemas.microsoft.com/office/powerpoint/2010/main" id="1" dur="indefinite" restart="never" nodeType="tmRoot">
+          <p:childTnLst>
+            <p:seq concurrent="1" nextAc="seek">
+              <p:cTn id="2" dur="indefinite" nodeType="mainSeq">
+                <p:childTnLst>
+                  <p:par>
+                    <p:cTn id="3" fill="hold">
+                      <p:stCondLst>
+                        <p:cond delay="indefinite"/>
+                      </p:stCondLst>
+                      <p:childTnLst>
+                        <p:par>
+                          <p:cTn id="4" fill="hold">
+                            <p:stCondLst>
+                              <p:cond delay="0"/>
+                            </p:stCondLst>
+                            <p:childTnLst>
+                              <p:par>
+                                <p:cTn id="5" presetID="22" presetClass="entr" presetSubtype="8" fill="hold" nodeType="clickEffect">
+                                  <p:stCondLst>
+                                    <p:cond delay="0"/>
+                                  </p:stCondLst>
+                                  <p:childTnLst>
+                                    <p:set>
+                                      <p:cBhvr>
+                                        <p:cTn id="6" dur="1" fill="hold">
+                                          <p:stCondLst>
+                                            <p:cond delay="0"/>
+                                          </p:stCondLst>
+                                        </p:cTn>
+                                        <p:tgtEl>
+                                          <p:spTgt spid="653320"/>
+                                        </p:tgtEl>
+                                        <p:attrNameLst>
+                                          <p:attrName>style.visibility</p:attrName>
+                                        </p:attrNameLst>
+                                      </p:cBhvr>
+                                      <p:to>
+                                        <p:strVal val="visible"/>
+                                      </p:to>
+                                    </p:set>
+                                    <p:animEffect transition="in" filter="wipe(left)">
+                                      <p:cBhvr>
+                                        <p:cTn id="7" dur="1000"/>
+                                        <p:tgtEl>
+                                          <p:spTgt spid="653320"/>
+                                        </p:tgtEl>
+                                      </p:cBhvr>
+                                    </p:animEffect>
+                                  </p:childTnLst>
+                                </p:cTn>
+                              </p:par>
+                            </p:childTnLst>
+                          </p:cTn>
+                        </p:par>
+                      </p:childTnLst>
+                    </p:cTn>
+                  </p:par>
+                  <p:par>
+                    <p:cTn id="8" fill="hold">
+                      <p:stCondLst>
+                        <p:cond delay="indefinite"/>
+                      </p:stCondLst>
+                      <p:childTnLst>
+                        <p:par>
+                          <p:cTn id="9" fill="hold">
+                            <p:stCondLst>
+                              <p:cond delay="0"/>
+                            </p:stCondLst>
+                            <p:childTnLst>
+                              <p:par>
+                                <p:cTn id="10" presetID="22" presetClass="entr" presetSubtype="8" fill="hold" nodeType="clickEffect">
+                                  <p:stCondLst>
+                                    <p:cond delay="0"/>
+                                  </p:stCondLst>
+                                  <p:childTnLst>
+                                    <p:set>
+                                      <p:cBhvr>
+                                        <p:cTn id="11" dur="1" fill="hold">
+                                          <p:stCondLst>
+                                            <p:cond delay="0"/>
+                                          </p:stCondLst>
+                                        </p:cTn>
+                                        <p:tgtEl>
+                                          <p:spTgt spid="9"/>
+                                        </p:tgtEl>
+                                        <p:attrNameLst>
+                                          <p:attrName>style.visibility</p:attrName>
+                                        </p:attrNameLst>
+                                      </p:cBhvr>
+                                      <p:to>
+                                        <p:strVal val="visible"/>
+                                      </p:to>
+                                    </p:set>
+                                    <p:animEffect transition="in" filter="wipe(left)">
+                                      <p:cBhvr>
+                                        <p:cTn id="12" dur="1000"/>
+                                        <p:tgtEl>
+                                          <p:spTgt spid="9"/>
+                                        </p:tgtEl>
+                                      </p:cBhvr>
+                                    </p:animEffect>
+                                  </p:childTnLst>
+                                </p:cTn>
+                              </p:par>
+                            </p:childTnLst>
+                          </p:cTn>
+                        </p:par>
+                      </p:childTnLst>
+                    </p:cTn>
+                  </p:par>
+                </p:childTnLst>
+              </p:cTn>
+              <p:prevCondLst>
+                <p:cond evt="onPrev" delay="0">
+                  <p:tgtEl>
+                    <p:sldTgt/>
+                  </p:tgtEl>
+                </p:cond>
+              </p:prevCondLst>
+              <p:nextCondLst>
+                <p:cond evt="onNext" delay="0">
+                  <p:tgtEl>
+                    <p:sldTgt/>
+                  </p:tgtEl>
+                </p:cond>
+              </p:nextCondLst>
+            </p:seq>
+          </p:childTnLst>
+        </p:cTn>
+      </p:par>
+    </p:tnLst>
+  </p:timing>
+</p:sld>
+</file>
+
+<file path=ppt/slides/slide15.xml><?xml version="1.0" encoding="utf-8"?>
+<p:sld xmlns:a="http://schemas.openxmlformats.org/drawingml/2006/main" xmlns:r="http://schemas.openxmlformats.org/officeDocument/2006/relationships" xmlns:p="http://schemas.openxmlformats.org/presentationml/2006/main" show="0">
+  <p:cSld>
+    <p:spTree>
+      <p:nvGrpSpPr>
+        <p:cNvPr id="1" name=""/>
+        <p:cNvGrpSpPr/>
+        <p:nvPr/>
+      </p:nvGrpSpPr>
+      <p:grpSpPr>
+        <a:xfrm>
+          <a:off x="0" y="0"/>
+          <a:ext cx="0" cy="0"/>
+          <a:chOff x="0" y="0"/>
+          <a:chExt cx="0" cy="0"/>
+        </a:xfrm>
+      </p:grpSpPr>
+      <p:sp>
+        <p:nvSpPr>
+          <p:cNvPr id="10" name="Slide Number Placeholder 3"/>
+          <p:cNvSpPr>
+            <a:spLocks noGrp="1"/>
+          </p:cNvSpPr>
+          <p:nvPr>
+            <p:ph type="sldNum" sz="quarter" idx="10"/>
+          </p:nvPr>
+        </p:nvSpPr>
+        <p:spPr/>
+        <p:txBody>
+          <a:bodyPr/>
+          <a:lstStyle/>
+          <a:p>
+            <a:r>
+              <a:rPr lang="en-US" dirty="0" smtClean="0"/>
+              <a:t>degrees.</a:t>
+            </a:r>
+            <a:fld id="{2874E848-A3CA-4509-A8E9-981481E18432}" type="slidenum">
+              <a:rPr lang="en-US" smtClean="0"/>
+              <a:pPr/>
+              <a:t>15</a:t>
+            </a:fld>
+            <a:endParaRPr lang="en-US" dirty="0"/>
+          </a:p>
+        </p:txBody>
+      </p:sp>
+      <p:sp>
+        <p:nvSpPr>
+          <p:cNvPr id="653314" name="Rectangle 2"/>
+          <p:cNvSpPr>
+            <a:spLocks noGrp="1" noChangeArrowheads="1"/>
+          </p:cNvSpPr>
+          <p:nvPr>
+            <p:ph type="title"/>
+          </p:nvPr>
+        </p:nvSpPr>
+        <p:spPr/>
+        <p:txBody>
+          <a:bodyPr/>
+          <a:lstStyle/>
+          <a:p>
+            <a:r>
+              <a:rPr lang="en-US"/>
+              <a:t>Counting pairs of partners</a:t>
+            </a:r>
+          </a:p>
+        </p:txBody>
+      </p:sp>
+      <p:graphicFrame>
+        <p:nvGraphicFramePr>
+          <p:cNvPr id="653316" name="Object 4"/>
+          <p:cNvGraphicFramePr>
+            <a:graphicFrameLocks noChangeAspect="1"/>
+          </p:cNvGraphicFramePr>
+          <p:nvPr>
+            <p:extLst>
+              <p:ext uri="{D42A27DB-BD31-4B8C-83A1-F6EECF244321}">
+                <p14:modId xmlns:p14="http://schemas.microsoft.com/office/powerpoint/2010/main" val="1085969882"/>
+              </p:ext>
+            </p:extLst>
+          </p:nvPr>
+        </p:nvGraphicFramePr>
+        <p:xfrm>
+          <a:off x="1149350" y="5002848"/>
+          <a:ext cx="6921500" cy="1333500"/>
+        </p:xfrm>
+        <a:graphic>
+          <a:graphicData uri="http://schemas.openxmlformats.org/presentationml/2006/ole">
+            <mc:AlternateContent xmlns:mc="http://schemas.openxmlformats.org/markup-compatibility/2006">
+              <mc:Choice xmlns:v="urn:schemas-microsoft-com:vml" Requires="v">
+                <p:oleObj spid="_x0000_s657418" name="Equation" r:id="rId4" imgW="1777680" imgH="342720" progId="Equation.DSMT4">
+                  <p:embed/>
+                </p:oleObj>
+              </mc:Choice>
+              <mc:Fallback>
+                <p:oleObj name="Equation" r:id="rId4" imgW="1777680" imgH="342720" progId="Equation.DSMT4">
+                  <p:embed/>
+                  <p:pic>
+                    <p:nvPicPr>
+                      <p:cNvPr id="0" name=""/>
+                      <p:cNvPicPr>
+                        <a:picLocks noChangeAspect="1" noChangeArrowheads="1"/>
+                      </p:cNvPicPr>
+                      <p:nvPr/>
+                    </p:nvPicPr>
+                    <p:blipFill>
+                      <a:blip r:embed="rId5">
+                        <a:extLst>
+                          <a:ext uri="{28A0092B-C50C-407E-A947-70E740481C1C}">
+                            <a14:useLocalDpi xmlns:a14="http://schemas.microsoft.com/office/drawing/2010/main" val="0"/>
+                          </a:ext>
+                        </a:extLst>
+                      </a:blip>
+                      <a:srcRect/>
+                      <a:stretch>
+                        <a:fillRect/>
+                      </a:stretch>
+                    </p:blipFill>
+                    <p:spPr bwMode="auto">
+                      <a:xfrm>
+                        <a:off x="1149350" y="5002848"/>
+                        <a:ext cx="6921500" cy="1333500"/>
+                      </a:xfrm>
+                      <a:prstGeom prst="rect">
+                        <a:avLst/>
+                      </a:prstGeom>
+                      <a:noFill/>
+                      <a:extLst>
+                        <a:ext uri="{909E8E84-426E-40dd-AFC4-6F175D3DCCD1}">
+                          <a14:hiddenFill xmlns:a14="http://schemas.microsoft.com/office/drawing/2010/main">
+                            <a:solidFill>
+                              <a:srgbClr val="FFFFFF"/>
+                            </a:solidFill>
+                          </a14:hiddenFill>
+                        </a:ext>
+                      </a:extLst>
+                    </p:spPr>
+                  </p:pic>
+                </p:oleObj>
+              </mc:Fallback>
+            </mc:AlternateContent>
+          </a:graphicData>
+        </a:graphic>
+      </p:graphicFrame>
+      <p:graphicFrame>
+        <p:nvGraphicFramePr>
+          <p:cNvPr id="653320" name="Object 8"/>
+          <p:cNvGraphicFramePr>
+            <a:graphicFrameLocks noChangeAspect="1"/>
+          </p:cNvGraphicFramePr>
+          <p:nvPr>
+            <p:extLst>
+              <p:ext uri="{D42A27DB-BD31-4B8C-83A1-F6EECF244321}">
+                <p14:modId xmlns:p14="http://schemas.microsoft.com/office/powerpoint/2010/main" val="1757708001"/>
+              </p:ext>
+            </p:extLst>
+          </p:nvPr>
+        </p:nvGraphicFramePr>
+        <p:xfrm>
+          <a:off x="1125538" y="957263"/>
+          <a:ext cx="6969125" cy="1962150"/>
+        </p:xfrm>
+        <a:graphic>
+          <a:graphicData uri="http://schemas.openxmlformats.org/presentationml/2006/ole">
+            <mc:AlternateContent xmlns:mc="http://schemas.openxmlformats.org/markup-compatibility/2006">
+              <mc:Choice xmlns:v="urn:schemas-microsoft-com:vml" Requires="v">
+                <p:oleObj spid="_x0000_s657419" name="Equation" r:id="rId6" imgW="2120900" imgH="596900" progId="Equation.DSMT4">
+                  <p:embed/>
+                </p:oleObj>
+              </mc:Choice>
+              <mc:Fallback>
+                <p:oleObj name="Equation" r:id="rId6" imgW="2120900" imgH="596900" progId="Equation.DSMT4">
+                  <p:embed/>
+                  <p:pic>
+                    <p:nvPicPr>
+                      <p:cNvPr id="0" name=""/>
+                      <p:cNvPicPr>
+                        <a:picLocks noChangeAspect="1" noChangeArrowheads="1"/>
+                      </p:cNvPicPr>
+                      <p:nvPr/>
+                    </p:nvPicPr>
+                    <p:blipFill>
+                      <a:blip r:embed="rId7"/>
+                      <a:srcRect/>
+                      <a:stretch>
+                        <a:fillRect/>
+                      </a:stretch>
+                    </p:blipFill>
+                    <p:spPr bwMode="auto">
+                      <a:xfrm>
+                        <a:off x="1125538" y="957263"/>
+                        <a:ext cx="6969125" cy="1962150"/>
+                      </a:xfrm>
+                      <a:prstGeom prst="rect">
+                        <a:avLst/>
+                      </a:prstGeom>
+                      <a:noFill/>
+                      <a:extLst>
+                        <a:ext uri="{909E8E84-426E-40dd-AFC4-6F175D3DCCD1}">
+                          <a14:hiddenFill xmlns:a14="http://schemas.microsoft.com/office/drawing/2010/main">
+                            <a:solidFill>
+                              <a:srgbClr val="FFFFFF"/>
+                            </a:solidFill>
+                          </a14:hiddenFill>
+                        </a:ext>
+                      </a:extLst>
+                    </p:spPr>
+                  </p:pic>
+                </p:oleObj>
+              </mc:Fallback>
+            </mc:AlternateContent>
+          </a:graphicData>
+        </a:graphic>
+      </p:graphicFrame>
+      <p:graphicFrame>
+        <p:nvGraphicFramePr>
+          <p:cNvPr id="9" name="Object 8"/>
+          <p:cNvGraphicFramePr>
+            <a:graphicFrameLocks noChangeAspect="1"/>
+          </p:cNvGraphicFramePr>
+          <p:nvPr>
+            <p:extLst>
+              <p:ext uri="{D42A27DB-BD31-4B8C-83A1-F6EECF244321}">
+                <p14:modId xmlns:p14="http://schemas.microsoft.com/office/powerpoint/2010/main" val="1618525996"/>
+              </p:ext>
+            </p:extLst>
+          </p:nvPr>
+        </p:nvGraphicFramePr>
+        <p:xfrm>
+          <a:off x="1095375" y="2878138"/>
+          <a:ext cx="7010400" cy="1962150"/>
+        </p:xfrm>
+        <a:graphic>
+          <a:graphicData uri="http://schemas.openxmlformats.org/presentationml/2006/ole">
+            <mc:AlternateContent xmlns:mc="http://schemas.openxmlformats.org/markup-compatibility/2006">
+              <mc:Choice xmlns:v="urn:schemas-microsoft-com:vml" Requires="v">
+                <p:oleObj spid="_x0000_s657420" name="Equation" r:id="rId8" imgW="2133600" imgH="596900" progId="Equation.DSMT4">
+                  <p:embed/>
+                </p:oleObj>
+              </mc:Choice>
+              <mc:Fallback>
+                <p:oleObj name="Equation" r:id="rId8" imgW="2133600" imgH="596900" progId="Equation.DSMT4">
+                  <p:embed/>
+                  <p:pic>
+                    <p:nvPicPr>
+                      <p:cNvPr id="0" name=""/>
+                      <p:cNvPicPr>
+                        <a:picLocks noChangeAspect="1" noChangeArrowheads="1"/>
+                      </p:cNvPicPr>
+                      <p:nvPr/>
+                    </p:nvPicPr>
+                    <p:blipFill>
+                      <a:blip r:embed="rId9"/>
+                      <a:srcRect/>
+                      <a:stretch>
+                        <a:fillRect/>
+                      </a:stretch>
+                    </p:blipFill>
+                    <p:spPr bwMode="auto">
+                      <a:xfrm>
+                        <a:off x="1095375" y="2878138"/>
+                        <a:ext cx="7010400" cy="1962150"/>
+                      </a:xfrm>
+                      <a:prstGeom prst="rect">
+                        <a:avLst/>
+                      </a:prstGeom>
+                      <a:noFill/>
+                      <a:extLst>
+                        <a:ext uri="{909E8E84-426E-40dd-AFC4-6F175D3DCCD1}">
+                          <a14:hiddenFill xmlns:a14="http://schemas.microsoft.com/office/drawing/2010/main">
+                            <a:solidFill>
+                              <a:srgbClr val="FFFFFF"/>
+                            </a:solidFill>
+                          </a14:hiddenFill>
+                        </a:ext>
+                      </a:extLst>
+                    </p:spPr>
+                  </p:pic>
+                </p:oleObj>
+              </mc:Fallback>
+            </mc:AlternateContent>
+          </a:graphicData>
+        </a:graphic>
+      </p:graphicFrame>
+    </p:spTree>
+    <p:extLst>
+      <p:ext uri="{BB962C8B-B14F-4D97-AF65-F5344CB8AC3E}">
+        <p14:creationId xmlns:p14="http://schemas.microsoft.com/office/powerpoint/2010/main" val="3022190950"/>
+      </p:ext>
+    </p:extLst>
+  </p:cSld>
+  <p:clrMapOvr>
+    <a:masterClrMapping/>
+  </p:clrMapOvr>
+  <mc:AlternateContent xmlns:mc="http://schemas.openxmlformats.org/markup-compatibility/2006">
+    <mc:Choice xmlns:p14="http://schemas.microsoft.com/office/powerpoint/2010/main" Requires="p14">
+      <p:transition spd="slow" p14:dur="900" advClick="0">
+        <p:fade/>
+      </p:transition>
+    </mc:Choice>
+    <mc:Fallback>
+      <p:transition xmlns:p14="http://schemas.microsoft.com/office/powerpoint/2010/main" spd="slow" advClick="0">
+        <p:fade/>
+      </p:transition>
+    </mc:Fallback>
+  </mc:AlternateContent>
+  <p:timing>
+    <p:tnLst>
+      <p:par>
+        <p:cTn xmlns:p14="http://schemas.microsoft.com/office/powerpoint/2010/main" id="1" dur="indefinite" restart="never" nodeType="tmRoot">
+          <p:childTnLst>
+            <p:seq concurrent="1" nextAc="seek">
+              <p:cTn id="2" dur="indefinite" nodeType="mainSeq">
+                <p:childTnLst>
+                  <p:par>
+                    <p:cTn id="3" fill="hold">
+                      <p:stCondLst>
+                        <p:cond delay="indefinite"/>
+                        <p:cond evt="onBegin" delay="0">
+                          <p:tn val="2"/>
+                        </p:cond>
+                      </p:stCondLst>
+                      <p:childTnLst>
+                        <p:par>
+                          <p:cTn id="4" fill="hold">
+                            <p:stCondLst>
+                              <p:cond delay="0"/>
+                            </p:stCondLst>
+                            <p:childTnLst>
+                              <p:par>
+                                <p:cTn id="5" presetID="22" presetClass="entr" presetSubtype="8" fill="hold" nodeType="afterEffect">
+                                  <p:stCondLst>
+                                    <p:cond delay="0"/>
+                                  </p:stCondLst>
+                                  <p:childTnLst>
+                                    <p:set>
+                                      <p:cBhvr>
+                                        <p:cTn id="6" dur="1" fill="hold">
+                                          <p:stCondLst>
+                                            <p:cond delay="0"/>
+                                          </p:stCondLst>
+                                        </p:cTn>
+                                        <p:tgtEl>
+                                          <p:spTgt spid="653316"/>
+                                        </p:tgtEl>
+                                        <p:attrNameLst>
+                                          <p:attrName>style.visibility</p:attrName>
+                                        </p:attrNameLst>
+                                      </p:cBhvr>
+                                      <p:to>
+                                        <p:strVal val="visible"/>
+                                      </p:to>
+                                    </p:set>
+                                    <p:animEffect transition="in" filter="wipe(left)">
+                                      <p:cBhvr>
+                                        <p:cTn id="7" dur="1000"/>
+                                        <p:tgtEl>
+                                          <p:spTgt spid="653316"/>
+                                        </p:tgtEl>
+                                      </p:cBhvr>
+                                    </p:animEffect>
+                                  </p:childTnLst>
+                                </p:cTn>
+                              </p:par>
+                            </p:childTnLst>
+                          </p:cTn>
+                        </p:par>
+                      </p:childTnLst>
+                    </p:cTn>
+                  </p:par>
+                  <p:par>
+                    <p:cTn id="8" fill="hold">
+                      <p:stCondLst>
+                        <p:cond delay="indefinite"/>
+                      </p:stCondLst>
+                      <p:childTnLst>
+                        <p:par>
+                          <p:cTn id="9" fill="hold">
+                            <p:stCondLst>
+                              <p:cond delay="0"/>
+                            </p:stCondLst>
+                            <p:childTnLst>
+                              <p:par>
+                                <p:cTn id="10" presetID="22" presetClass="entr" presetSubtype="8" fill="hold" nodeType="clickEffect">
+                                  <p:stCondLst>
+                                    <p:cond delay="0"/>
+                                  </p:stCondLst>
+                                  <p:childTnLst>
+                                    <p:set>
+                                      <p:cBhvr>
+                                        <p:cTn id="11" dur="1" fill="hold">
+                                          <p:stCondLst>
+                                            <p:cond delay="0"/>
+                                          </p:stCondLst>
+                                        </p:cTn>
+                                        <p:tgtEl>
+                                          <p:spTgt spid="653320"/>
+                                        </p:tgtEl>
+                                        <p:attrNameLst>
+                                          <p:attrName>style.visibility</p:attrName>
+                                        </p:attrNameLst>
+                                      </p:cBhvr>
+                                      <p:to>
+                                        <p:strVal val="visible"/>
+                                      </p:to>
+                                    </p:set>
+                                    <p:animEffect transition="in" filter="wipe(left)">
+                                      <p:cBhvr>
+                                        <p:cTn id="12" dur="1000"/>
+                                        <p:tgtEl>
+                                          <p:spTgt spid="653320"/>
+                                        </p:tgtEl>
+                                      </p:cBhvr>
+                                    </p:animEffect>
+                                  </p:childTnLst>
+                                </p:cTn>
+                              </p:par>
+                            </p:childTnLst>
+                          </p:cTn>
+                        </p:par>
+                      </p:childTnLst>
+                    </p:cTn>
+                  </p:par>
+                  <p:par>
+                    <p:cTn id="13" fill="hold">
+                      <p:stCondLst>
+                        <p:cond delay="indefinite"/>
+                      </p:stCondLst>
+                      <p:childTnLst>
+                        <p:par>
+                          <p:cTn id="14" fill="hold">
+                            <p:stCondLst>
+                              <p:cond delay="0"/>
+                            </p:stCondLst>
+                            <p:childTnLst>
+                              <p:par>
+                                <p:cTn id="15" presetID="22" presetClass="entr" presetSubtype="8" fill="hold" nodeType="clickEffect">
+                                  <p:stCondLst>
+                                    <p:cond delay="0"/>
+                                  </p:stCondLst>
+                                  <p:childTnLst>
+                                    <p:set>
+                                      <p:cBhvr>
+                                        <p:cTn id="16" dur="1" fill="hold">
+                                          <p:stCondLst>
+                                            <p:cond delay="0"/>
+                                          </p:stCondLst>
+                                        </p:cTn>
+                                        <p:tgtEl>
+                                          <p:spTgt spid="9"/>
+                                        </p:tgtEl>
+                                        <p:attrNameLst>
+                                          <p:attrName>style.visibility</p:attrName>
+                                        </p:attrNameLst>
+                                      </p:cBhvr>
+                                      <p:to>
+                                        <p:strVal val="visible"/>
+                                      </p:to>
+                                    </p:set>
+                                    <p:animEffect transition="in" filter="wipe(left)">
+                                      <p:cBhvr>
+                                        <p:cTn id="17" dur="1000"/>
+                                        <p:tgtEl>
+                                          <p:spTgt spid="9"/>
+                                        </p:tgtEl>
+                                      </p:cBhvr>
+                                    </p:animEffect>
+                                  </p:childTnLst>
+                                </p:cTn>
+                              </p:par>
+                            </p:childTnLst>
+                          </p:cTn>
+                        </p:par>
+                      </p:childTnLst>
+                    </p:cTn>
+                  </p:par>
+                </p:childTnLst>
+              </p:cTn>
+              <p:prevCondLst>
+                <p:cond evt="onPrev" delay="0">
+                  <p:tgtEl>
+                    <p:sldTgt/>
+                  </p:tgtEl>
+                </p:cond>
+              </p:prevCondLst>
+              <p:nextCondLst>
+                <p:cond evt="onNext" delay="0">
+                  <p:tgtEl>
+                    <p:sldTgt/>
+                  </p:tgtEl>
+                </p:cond>
+              </p:nextCondLst>
+            </p:seq>
+          </p:childTnLst>
+        </p:cTn>
+      </p:par>
+    </p:tnLst>
+  </p:timing>
+</p:sld>
+</file>
+
+<file path=ppt/slides/slide16.xml><?xml version="1.0" encoding="utf-8"?>
+<p:sld xmlns:a="http://schemas.openxmlformats.org/drawingml/2006/main" xmlns:r="http://schemas.openxmlformats.org/officeDocument/2006/relationships" xmlns:p="http://schemas.openxmlformats.org/presentationml/2006/main">
+  <p:cSld>
+    <p:spTree>
+      <p:nvGrpSpPr>
+        <p:cNvPr id="1" name=""/>
+        <p:cNvGrpSpPr/>
+        <p:nvPr/>
+      </p:nvGrpSpPr>
+      <p:grpSpPr>
+        <a:xfrm>
+          <a:off x="0" y="0"/>
+          <a:ext cx="0" cy="0"/>
+          <a:chOff x="0" y="0"/>
+          <a:chExt cx="0" cy="0"/>
+        </a:xfrm>
+      </p:grpSpPr>
+      <p:sp>
+        <p:nvSpPr>
+          <p:cNvPr id="10" name="Slide Number Placeholder 3"/>
+          <p:cNvSpPr>
+            <a:spLocks noGrp="1"/>
+          </p:cNvSpPr>
+          <p:nvPr>
+            <p:ph type="sldNum" sz="quarter" idx="10"/>
+          </p:nvPr>
+        </p:nvSpPr>
+        <p:spPr/>
+        <p:txBody>
+          <a:bodyPr/>
+          <a:lstStyle/>
+          <a:p>
+            <a:r>
+              <a:rPr lang="en-US" dirty="0" smtClean="0"/>
+              <a:t>degrees.</a:t>
+            </a:r>
+            <a:fld id="{2874E848-A3CA-4509-A8E9-981481E18432}" type="slidenum">
+              <a:rPr lang="en-US" smtClean="0"/>
+              <a:pPr/>
+              <a:t>16</a:t>
+            </a:fld>
+            <a:endParaRPr lang="en-US" dirty="0"/>
+          </a:p>
+        </p:txBody>
+      </p:sp>
+      <p:sp>
+        <p:nvSpPr>
+          <p:cNvPr id="653314" name="Rectangle 2"/>
+          <p:cNvSpPr>
+            <a:spLocks noGrp="1" noChangeArrowheads="1"/>
+          </p:cNvSpPr>
+          <p:nvPr>
+            <p:ph type="title"/>
+          </p:nvPr>
+        </p:nvSpPr>
+        <p:spPr>
+          <a:xfrm>
+            <a:off x="1447800" y="10160"/>
+            <a:ext cx="7543800" cy="1143000"/>
+          </a:xfrm>
+        </p:spPr>
+        <p:txBody>
+          <a:bodyPr/>
+          <a:lstStyle/>
+          <a:p>
+            <a:r>
+              <a:rPr lang="en-US"/>
+              <a:t>Counting pairs of partners</a:t>
+            </a:r>
+          </a:p>
+        </p:txBody>
+      </p:sp>
+      <p:graphicFrame>
+        <p:nvGraphicFramePr>
+          <p:cNvPr id="653316" name="Object 4"/>
+          <p:cNvGraphicFramePr>
+            <a:graphicFrameLocks noChangeAspect="1"/>
+          </p:cNvGraphicFramePr>
+          <p:nvPr>
+            <p:extLst>
+              <p:ext uri="{D42A27DB-BD31-4B8C-83A1-F6EECF244321}">
+                <p14:modId xmlns:p14="http://schemas.microsoft.com/office/powerpoint/2010/main" val="3352944714"/>
+              </p:ext>
+            </p:extLst>
+          </p:nvPr>
+        </p:nvGraphicFramePr>
+        <p:xfrm>
+          <a:off x="1198563" y="4978400"/>
+          <a:ext cx="6821487" cy="1382713"/>
+        </p:xfrm>
+        <a:graphic>
+          <a:graphicData uri="http://schemas.openxmlformats.org/presentationml/2006/ole">
+            <mc:AlternateContent xmlns:mc="http://schemas.openxmlformats.org/markup-compatibility/2006">
+              <mc:Choice xmlns:v="urn:schemas-microsoft-com:vml" Requires="v">
+                <p:oleObj spid="_x0000_s658441" name="Equation" r:id="rId4" imgW="1752600" imgH="355600" progId="Equation.DSMT4">
+                  <p:embed/>
+                </p:oleObj>
+              </mc:Choice>
+              <mc:Fallback>
+                <p:oleObj name="Equation" r:id="rId4" imgW="1752600" imgH="355600" progId="Equation.DSMT4">
+                  <p:embed/>
+                  <p:pic>
+                    <p:nvPicPr>
+                      <p:cNvPr id="0" name=""/>
+                      <p:cNvPicPr>
+                        <a:picLocks noChangeAspect="1" noChangeArrowheads="1"/>
+                      </p:cNvPicPr>
+                      <p:nvPr/>
+                    </p:nvPicPr>
+                    <p:blipFill>
+                      <a:blip r:embed="rId5"/>
+                      <a:srcRect/>
+                      <a:stretch>
+                        <a:fillRect/>
+                      </a:stretch>
+                    </p:blipFill>
+                    <p:spPr bwMode="auto">
+                      <a:xfrm>
+                        <a:off x="1198563" y="4978400"/>
+                        <a:ext cx="6821487" cy="1382713"/>
+                      </a:xfrm>
+                      <a:prstGeom prst="rect">
+                        <a:avLst/>
+                      </a:prstGeom>
+                      <a:noFill/>
+                      <a:extLst>
+                        <a:ext uri="{909E8E84-426E-40dd-AFC4-6F175D3DCCD1}">
+                          <a14:hiddenFill xmlns:a14="http://schemas.microsoft.com/office/drawing/2010/main">
+                            <a:solidFill>
+                              <a:srgbClr val="FFFFFF"/>
+                            </a:solidFill>
+                          </a14:hiddenFill>
+                        </a:ext>
+                      </a:extLst>
+                    </p:spPr>
+                  </p:pic>
+                </p:oleObj>
+              </mc:Fallback>
+            </mc:AlternateContent>
+          </a:graphicData>
+        </a:graphic>
+      </p:graphicFrame>
+      <p:graphicFrame>
+        <p:nvGraphicFramePr>
+          <p:cNvPr id="653320" name="Object 8"/>
+          <p:cNvGraphicFramePr>
+            <a:graphicFrameLocks noChangeAspect="1"/>
+          </p:cNvGraphicFramePr>
+          <p:nvPr>
+            <p:extLst>
+              <p:ext uri="{D42A27DB-BD31-4B8C-83A1-F6EECF244321}">
+                <p14:modId xmlns:p14="http://schemas.microsoft.com/office/powerpoint/2010/main" val="3574313231"/>
+              </p:ext>
+            </p:extLst>
+          </p:nvPr>
+        </p:nvGraphicFramePr>
+        <p:xfrm>
+          <a:off x="1146175" y="1046480"/>
+          <a:ext cx="6927850" cy="3756025"/>
+        </p:xfrm>
+        <a:graphic>
+          <a:graphicData uri="http://schemas.openxmlformats.org/presentationml/2006/ole">
+            <mc:AlternateContent xmlns:mc="http://schemas.openxmlformats.org/markup-compatibility/2006">
+              <mc:Choice xmlns:v="urn:schemas-microsoft-com:vml" Requires="v">
+                <p:oleObj spid="_x0000_s658442" name="Equation" r:id="rId6" imgW="2108200" imgH="1143000" progId="Equation.DSMT4">
+                  <p:embed/>
+                </p:oleObj>
+              </mc:Choice>
+              <mc:Fallback>
+                <p:oleObj name="Equation" r:id="rId6" imgW="2108200" imgH="1143000" progId="Equation.DSMT4">
+                  <p:embed/>
+                  <p:pic>
+                    <p:nvPicPr>
+                      <p:cNvPr id="0" name=""/>
+                      <p:cNvPicPr>
+                        <a:picLocks noChangeAspect="1" noChangeArrowheads="1"/>
+                      </p:cNvPicPr>
+                      <p:nvPr/>
+                    </p:nvPicPr>
+                    <p:blipFill>
+                      <a:blip r:embed="rId7"/>
+                      <a:srcRect/>
+                      <a:stretch>
+                        <a:fillRect/>
+                      </a:stretch>
+                    </p:blipFill>
+                    <p:spPr bwMode="auto">
+                      <a:xfrm>
+                        <a:off x="1146175" y="1046480"/>
+                        <a:ext cx="6927850" cy="3756025"/>
+                      </a:xfrm>
+                      <a:prstGeom prst="rect">
+                        <a:avLst/>
+                      </a:prstGeom>
+                      <a:noFill/>
+                      <a:extLst>
+                        <a:ext uri="{909E8E84-426E-40dd-AFC4-6F175D3DCCD1}">
+                          <a14:hiddenFill xmlns:a14="http://schemas.microsoft.com/office/drawing/2010/main">
+                            <a:solidFill>
+                              <a:srgbClr val="FFFFFF"/>
+                            </a:solidFill>
+                          </a14:hiddenFill>
+                        </a:ext>
+                      </a:extLst>
+                    </p:spPr>
+                  </p:pic>
+                </p:oleObj>
+              </mc:Fallback>
+            </mc:AlternateContent>
+          </a:graphicData>
+        </a:graphic>
+      </p:graphicFrame>
+      <p:grpSp>
+        <p:nvGrpSpPr>
+          <p:cNvPr id="4" name="Group 3"/>
+          <p:cNvGrpSpPr/>
+          <p:nvPr/>
+        </p:nvGrpSpPr>
+        <p:grpSpPr>
+          <a:xfrm>
+            <a:off x="5374640" y="995680"/>
+            <a:ext cx="2895600" cy="2962593"/>
+            <a:chOff x="5374640" y="995680"/>
+            <a:chExt cx="2895600" cy="2962593"/>
+          </a:xfrm>
+        </p:grpSpPr>
+        <p:cxnSp>
+          <p:nvCxnSpPr>
+            <p:cNvPr id="3" name="Straight Connector 2"/>
+            <p:cNvCxnSpPr/>
+            <p:nvPr/>
+          </p:nvCxnSpPr>
+          <p:spPr bwMode="auto">
+            <a:xfrm flipH="1">
+              <a:off x="5374640" y="995680"/>
+              <a:ext cx="2712720" cy="1087120"/>
+            </a:xfrm>
+            <a:prstGeom prst="line">
+              <a:avLst/>
+            </a:prstGeom>
+            <a:noFill/>
+            <a:ln w="38100" cap="flat" cmpd="sng" algn="ctr">
+              <a:solidFill>
+                <a:srgbClr val="FF0000"/>
+              </a:solidFill>
+              <a:prstDash val="sysDash"/>
+              <a:round/>
+              <a:headEnd type="none" w="med" len="med"/>
+              <a:tailEnd type="none" w="med" len="med"/>
+            </a:ln>
+            <a:effectLst/>
+          </p:spPr>
+        </p:cxnSp>
+        <p:cxnSp>
+          <p:nvCxnSpPr>
+            <p:cNvPr id="11" name="Straight Connector 10"/>
+            <p:cNvCxnSpPr/>
+            <p:nvPr/>
+          </p:nvCxnSpPr>
+          <p:spPr bwMode="auto">
+            <a:xfrm flipH="1">
+              <a:off x="5557520" y="2871153"/>
+              <a:ext cx="2712720" cy="1087120"/>
+            </a:xfrm>
+            <a:prstGeom prst="line">
+              <a:avLst/>
+            </a:prstGeom>
+            <a:noFill/>
+            <a:ln w="38100" cap="flat" cmpd="sng" algn="ctr">
+              <a:solidFill>
+                <a:srgbClr val="FF0000"/>
+              </a:solidFill>
+              <a:prstDash val="sysDash"/>
+              <a:round/>
+              <a:headEnd type="none" w="med" len="med"/>
+              <a:tailEnd type="none" w="med" len="med"/>
+            </a:ln>
+            <a:effectLst/>
+          </p:spPr>
+        </p:cxnSp>
+      </p:grpSp>
+    </p:spTree>
+    <p:extLst>
+      <p:ext uri="{BB962C8B-B14F-4D97-AF65-F5344CB8AC3E}">
+        <p14:creationId xmlns:p14="http://schemas.microsoft.com/office/powerpoint/2010/main" val="17577898"/>
+      </p:ext>
+    </p:extLst>
+  </p:cSld>
+  <p:clrMapOvr>
+    <a:masterClrMapping/>
+  </p:clrMapOvr>
+  <mc:AlternateContent xmlns:mc="http://schemas.openxmlformats.org/markup-compatibility/2006">
+    <mc:Choice xmlns:p14="http://schemas.microsoft.com/office/powerpoint/2010/main" Requires="p14">
+      <p:transition spd="slow" p14:dur="900" advClick="0">
+        <p:fade/>
+      </p:transition>
+    </mc:Choice>
+    <mc:Fallback>
+      <p:transition xmlns:p14="http://schemas.microsoft.com/office/powerpoint/2010/main" spd="slow" advClick="0">
+        <p:fade/>
+      </p:transition>
+    </mc:Fallback>
+  </mc:AlternateContent>
+  <p:timing>
+    <p:tnLst>
+      <p:par>
+        <p:cTn xmlns:p14="http://schemas.microsoft.com/office/powerpoint/2010/main" id="1" dur="indefinite" restart="never" nodeType="tmRoot">
+          <p:childTnLst>
+            <p:seq concurrent="1" nextAc="seek">
+              <p:cTn id="2" dur="indefinite" nodeType="mainSeq">
+                <p:childTnLst>
+                  <p:par>
+                    <p:cTn id="3" fill="hold">
+                      <p:stCondLst>
+                        <p:cond delay="indefinite"/>
+                      </p:stCondLst>
+                      <p:childTnLst>
+                        <p:par>
+                          <p:cTn id="4" fill="hold">
+                            <p:stCondLst>
+                              <p:cond delay="0"/>
+                            </p:stCondLst>
+                            <p:childTnLst>
+                              <p:par>
+                                <p:cTn id="5" presetID="22" presetClass="entr" presetSubtype="8" fill="hold" nodeType="clickEffect">
+                                  <p:stCondLst>
+                                    <p:cond delay="0"/>
+                                  </p:stCondLst>
+                                  <p:childTnLst>
+                                    <p:set>
+                                      <p:cBhvr>
+                                        <p:cTn id="6" dur="1" fill="hold">
+                                          <p:stCondLst>
+                                            <p:cond delay="0"/>
+                                          </p:stCondLst>
+                                        </p:cTn>
+                                        <p:tgtEl>
+                                          <p:spTgt spid="653316"/>
+                                        </p:tgtEl>
+                                        <p:attrNameLst>
+                                          <p:attrName>style.visibility</p:attrName>
+                                        </p:attrNameLst>
+                                      </p:cBhvr>
+                                      <p:to>
+                                        <p:strVal val="visible"/>
+                                      </p:to>
+                                    </p:set>
+                                    <p:animEffect transition="in" filter="wipe(left)">
+                                      <p:cBhvr>
+                                        <p:cTn id="7" dur="1000"/>
+                                        <p:tgtEl>
+                                          <p:spTgt spid="653316"/>
+                                        </p:tgtEl>
+                                      </p:cBhvr>
+                                    </p:animEffect>
+                                  </p:childTnLst>
+                                </p:cTn>
+                              </p:par>
+                            </p:childTnLst>
+                          </p:cTn>
+                        </p:par>
+                      </p:childTnLst>
+                    </p:cTn>
+                  </p:par>
+                  <p:par>
+                    <p:cTn id="8" fill="hold">
+                      <p:stCondLst>
+                        <p:cond delay="indefinite"/>
+                      </p:stCondLst>
+                      <p:childTnLst>
+                        <p:par>
+                          <p:cTn id="9" fill="hold">
+                            <p:stCondLst>
+                              <p:cond delay="0"/>
+                            </p:stCondLst>
+                            <p:childTnLst>
+                              <p:par>
+                                <p:cTn id="10" presetID="22" presetClass="entr" presetSubtype="2" fill="hold" nodeType="clickEffect">
+                                  <p:stCondLst>
+                                    <p:cond delay="0"/>
+                                  </p:stCondLst>
+                                  <p:childTnLst>
+                                    <p:set>
+                                      <p:cBhvr>
+                                        <p:cTn id="11" dur="1" fill="hold">
+                                          <p:stCondLst>
+                                            <p:cond delay="0"/>
+                                          </p:stCondLst>
+                                        </p:cTn>
+                                        <p:tgtEl>
+                                          <p:spTgt spid="4"/>
+                                        </p:tgtEl>
+                                        <p:attrNameLst>
+                                          <p:attrName>style.visibility</p:attrName>
+                                        </p:attrNameLst>
+                                      </p:cBhvr>
+                                      <p:to>
+                                        <p:strVal val="visible"/>
+                                      </p:to>
+                                    </p:set>
+                                    <p:animEffect transition="in" filter="wipe(right)">
+                                      <p:cBhvr>
+                                        <p:cTn id="12" dur="1000"/>
+                                        <p:tgtEl>
+                                          <p:spTgt spid="4"/>
+                                        </p:tgtEl>
+                                      </p:cBhvr>
+                                    </p:animEffect>
+                                  </p:childTnLst>
+                                </p:cTn>
+                              </p:par>
+                            </p:childTnLst>
+                          </p:cTn>
+                        </p:par>
+                      </p:childTnLst>
+                    </p:cTn>
+                  </p:par>
+                </p:childTnLst>
+              </p:cTn>
+              <p:prevCondLst>
+                <p:cond evt="onPrev" delay="0">
+                  <p:tgtEl>
+                    <p:sldTgt/>
+                  </p:tgtEl>
+                </p:cond>
+              </p:prevCondLst>
+              <p:nextCondLst>
+                <p:cond evt="onNext" delay="0">
+                  <p:tgtEl>
+                    <p:sldTgt/>
+                  </p:tgtEl>
+                </p:cond>
+              </p:nextCondLst>
+            </p:seq>
+          </p:childTnLst>
+        </p:cTn>
+      </p:par>
+    </p:tnLst>
+  </p:timing>
+</p:sld>
+</file>
+
+<file path=ppt/slides/slide17.xml><?xml version="1.0" encoding="utf-8"?>
+<p:sld xmlns:a="http://schemas.openxmlformats.org/drawingml/2006/main" xmlns:r="http://schemas.openxmlformats.org/officeDocument/2006/relationships" xmlns:p="http://schemas.openxmlformats.org/presentationml/2006/main">
+  <p:cSld>
+    <p:spTree>
+      <p:nvGrpSpPr>
+        <p:cNvPr id="1" name=""/>
+        <p:cNvGrpSpPr/>
+        <p:nvPr/>
+      </p:nvGrpSpPr>
+      <p:grpSpPr>
+        <a:xfrm>
+          <a:off x="0" y="0"/>
+          <a:ext cx="0" cy="0"/>
+          <a:chOff x="0" y="0"/>
+          <a:chExt cx="0" cy="0"/>
+        </a:xfrm>
+      </p:grpSpPr>
+      <p:sp>
+        <p:nvSpPr>
+          <p:cNvPr id="10" name="Slide Number Placeholder 3"/>
+          <p:cNvSpPr>
+            <a:spLocks noGrp="1"/>
+          </p:cNvSpPr>
+          <p:nvPr>
+            <p:ph type="sldNum" sz="quarter" idx="10"/>
+          </p:nvPr>
+        </p:nvSpPr>
+        <p:spPr/>
+        <p:txBody>
+          <a:bodyPr/>
+          <a:lstStyle/>
+          <a:p>
+            <a:r>
+              <a:rPr lang="en-US" dirty="0" smtClean="0"/>
+              <a:t>degrees.</a:t>
+            </a:r>
+            <a:fld id="{2874E848-A3CA-4509-A8E9-981481E18432}" type="slidenum">
+              <a:rPr lang="en-US" smtClean="0"/>
+              <a:pPr/>
+              <a:t>17</a:t>
+            </a:fld>
+            <a:endParaRPr lang="en-US" dirty="0"/>
+          </a:p>
+        </p:txBody>
+      </p:sp>
+      <p:sp>
+        <p:nvSpPr>
+          <p:cNvPr id="653314" name="Rectangle 2"/>
+          <p:cNvSpPr>
+            <a:spLocks noGrp="1" noChangeArrowheads="1"/>
+          </p:cNvSpPr>
+          <p:nvPr>
+            <p:ph type="title"/>
+          </p:nvPr>
+        </p:nvSpPr>
+        <p:spPr>
+          <a:xfrm>
+            <a:off x="1447800" y="10160"/>
+            <a:ext cx="7543800" cy="1143000"/>
+          </a:xfrm>
+        </p:spPr>
+        <p:txBody>
+          <a:bodyPr/>
+          <a:lstStyle/>
+          <a:p>
+            <a:r>
+              <a:rPr lang="en-US"/>
+              <a:t>Counting pairs of partners</a:t>
+            </a:r>
+          </a:p>
+        </p:txBody>
+      </p:sp>
+      <p:graphicFrame>
+        <p:nvGraphicFramePr>
+          <p:cNvPr id="653320" name="Object 8"/>
+          <p:cNvGraphicFramePr>
+            <a:graphicFrameLocks noChangeAspect="1"/>
+          </p:cNvGraphicFramePr>
+          <p:nvPr>
+            <p:extLst>
+              <p:ext uri="{D42A27DB-BD31-4B8C-83A1-F6EECF244321}">
+                <p14:modId xmlns:p14="http://schemas.microsoft.com/office/powerpoint/2010/main" val="4268470379"/>
+              </p:ext>
+            </p:extLst>
+          </p:nvPr>
+        </p:nvGraphicFramePr>
+        <p:xfrm>
+          <a:off x="1312595" y="2306320"/>
+          <a:ext cx="6597135" cy="2235200"/>
+        </p:xfrm>
+        <a:graphic>
+          <a:graphicData uri="http://schemas.openxmlformats.org/presentationml/2006/ole">
+            <mc:AlternateContent xmlns:mc="http://schemas.openxmlformats.org/markup-compatibility/2006">
+              <mc:Choice xmlns:v="urn:schemas-microsoft-com:vml" Requires="v">
+                <p:oleObj spid="_x0000_s659461" name="Equation" r:id="rId4" imgW="1498600" imgH="508000" progId="Equation.DSMT4">
+                  <p:embed/>
+                </p:oleObj>
+              </mc:Choice>
+              <mc:Fallback>
+                <p:oleObj name="Equation" r:id="rId4" imgW="1498600" imgH="508000" progId="Equation.DSMT4">
+                  <p:embed/>
+                  <p:pic>
+                    <p:nvPicPr>
+                      <p:cNvPr id="0" name=""/>
+                      <p:cNvPicPr>
+                        <a:picLocks noChangeAspect="1" noChangeArrowheads="1"/>
+                      </p:cNvPicPr>
+                      <p:nvPr/>
+                    </p:nvPicPr>
+                    <p:blipFill>
+                      <a:blip r:embed="rId5"/>
+                      <a:srcRect/>
+                      <a:stretch>
+                        <a:fillRect/>
+                      </a:stretch>
+                    </p:blipFill>
+                    <p:spPr bwMode="auto">
+                      <a:xfrm>
+                        <a:off x="1312595" y="2306320"/>
+                        <a:ext cx="6597135" cy="2235200"/>
+                      </a:xfrm>
+                      <a:prstGeom prst="rect">
+                        <a:avLst/>
+                      </a:prstGeom>
+                      <a:noFill/>
+                      <a:extLst/>
+                    </p:spPr>
+                  </p:pic>
+                </p:oleObj>
+              </mc:Fallback>
+            </mc:AlternateContent>
+          </a:graphicData>
+        </a:graphic>
+      </p:graphicFrame>
+    </p:spTree>
+    <p:extLst>
+      <p:ext uri="{BB962C8B-B14F-4D97-AF65-F5344CB8AC3E}">
+        <p14:creationId xmlns:p14="http://schemas.microsoft.com/office/powerpoint/2010/main" val="523542286"/>
+      </p:ext>
+    </p:extLst>
+  </p:cSld>
+  <p:clrMapOvr>
+    <a:masterClrMapping/>
+  </p:clrMapOvr>
+  <mc:AlternateContent xmlns:mc="http://schemas.openxmlformats.org/markup-compatibility/2006">
+    <mc:Choice xmlns:p14="http://schemas.microsoft.com/office/powerpoint/2010/main" Requires="p14">
+      <p:transition spd="slow" p14:dur="900" advClick="0">
+        <p:fade/>
+      </p:transition>
+    </mc:Choice>
+    <mc:Fallback>
+      <p:transition xmlns:p14="http://schemas.microsoft.com/office/powerpoint/2010/main" spd="slow" advClick="0">
+        <p:fade/>
+      </p:transition>
+    </mc:Fallback>
+  </mc:AlternateContent>
+  <p:timing>
+    <p:tnLst>
+      <p:par>
+        <p:cTn xmlns:p14="http://schemas.microsoft.com/office/powerpoint/2010/main" id="1" dur="indefinite" restart="never" nodeType="tmRoot"/>
+      </p:par>
+    </p:tnLst>
+  </p:timing>
+</p:sld>
+</file>
+
+<file path=ppt/slides/slide18.xml><?xml version="1.0" encoding="utf-8"?>
+<p:sld xmlns:a="http://schemas.openxmlformats.org/drawingml/2006/main" xmlns:r="http://schemas.openxmlformats.org/officeDocument/2006/relationships" xmlns:p="http://schemas.openxmlformats.org/presentationml/2006/main" show="0">
+  <p:cSld>
+    <p:spTree>
+      <p:nvGrpSpPr>
+        <p:cNvPr id="1" name=""/>
+        <p:cNvGrpSpPr/>
+        <p:nvPr/>
+      </p:nvGrpSpPr>
+      <p:grpSpPr>
+        <a:xfrm>
+          <a:off x="0" y="0"/>
+          <a:ext cx="0" cy="0"/>
+          <a:chOff x="0" y="0"/>
+          <a:chExt cx="0" cy="0"/>
+        </a:xfrm>
+      </p:grpSpPr>
+      <p:sp>
+        <p:nvSpPr>
+          <p:cNvPr id="10" name="Slide Number Placeholder 3"/>
+          <p:cNvSpPr>
+            <a:spLocks noGrp="1"/>
+          </p:cNvSpPr>
+          <p:nvPr>
+            <p:ph type="sldNum" sz="quarter" idx="10"/>
+          </p:nvPr>
+        </p:nvSpPr>
+        <p:spPr/>
+        <p:txBody>
+          <a:bodyPr/>
+          <a:lstStyle/>
+          <a:p>
+            <a:r>
+              <a:rPr lang="en-US" dirty="0" smtClean="0"/>
+              <a:t>degrees.</a:t>
+            </a:r>
+            <a:fld id="{2874E848-A3CA-4509-A8E9-981481E18432}" type="slidenum">
+              <a:rPr lang="en-US" smtClean="0"/>
+              <a:pPr/>
+              <a:t>18</a:t>
+            </a:fld>
+            <a:endParaRPr lang="en-US" dirty="0"/>
+          </a:p>
+        </p:txBody>
+      </p:sp>
+      <p:sp>
+        <p:nvSpPr>
+          <p:cNvPr id="653314" name="Rectangle 2"/>
+          <p:cNvSpPr>
+            <a:spLocks noGrp="1" noChangeArrowheads="1"/>
+          </p:cNvSpPr>
+          <p:nvPr>
+            <p:ph type="title"/>
+          </p:nvPr>
+        </p:nvSpPr>
+        <p:spPr/>
+        <p:txBody>
+          <a:bodyPr/>
+          <a:lstStyle/>
+          <a:p>
+            <a:r>
+              <a:rPr lang="en-US"/>
+              <a:t>Counting pairs of partners</a:t>
+            </a:r>
+          </a:p>
+        </p:txBody>
+      </p:sp>
+      <p:graphicFrame>
+        <p:nvGraphicFramePr>
           <p:cNvPr id="653316" name="Object 4"/>
           <p:cNvGraphicFramePr>
             <a:graphicFrameLocks noChangeAspect="1"/>
@@ -5742,7 +8445,7 @@
           <a:graphicData uri="http://schemas.openxmlformats.org/presentationml/2006/ole">
             <mc:AlternateContent xmlns:mc="http://schemas.openxmlformats.org/markup-compatibility/2006">
               <mc:Choice xmlns:v="urn:schemas-microsoft-com:vml" Requires="v">
-                <p:oleObj spid="_x0000_s1119" name="Equation" r:id="rId4" imgW="1777680" imgH="342720" progId="Equation.DSMT4">
+                <p:oleObj spid="_x0000_s656397" name="Equation" r:id="rId4" imgW="1777680" imgH="342720" progId="Equation.DSMT4">
                   <p:embed/>
                 </p:oleObj>
               </mc:Choice>
@@ -5878,7 +8581,7 @@
           <a:graphicData uri="http://schemas.openxmlformats.org/presentationml/2006/ole">
             <mc:AlternateContent xmlns:mc="http://schemas.openxmlformats.org/markup-compatibility/2006">
               <mc:Choice xmlns:v="urn:schemas-microsoft-com:vml" Requires="v">
-                <p:oleObj spid="_x0000_s1120" name="Equation" r:id="rId6" imgW="1828800" imgH="571320" progId="Equation.DSMT4">
+                <p:oleObj spid="_x0000_s656398" name="Equation" r:id="rId6" imgW="1828800" imgH="571320" progId="Equation.DSMT4">
                   <p:embed/>
                 </p:oleObj>
               </mc:Choice>
@@ -5941,7 +8644,7 @@
           <p:nvPr>
             <p:extLst>
               <p:ext uri="{D42A27DB-BD31-4B8C-83A1-F6EECF244321}">
-                <p14:modId xmlns:p14="http://schemas.microsoft.com/office/powerpoint/2010/main" val="128711243"/>
+                <p14:modId xmlns:p14="http://schemas.microsoft.com/office/powerpoint/2010/main" val="2008665036"/>
               </p:ext>
             </p:extLst>
           </p:nvPr>
@@ -5954,7 +8657,7 @@
           <a:graphicData uri="http://schemas.openxmlformats.org/presentationml/2006/ole">
             <mc:AlternateContent xmlns:mc="http://schemas.openxmlformats.org/markup-compatibility/2006">
               <mc:Choice xmlns:v="urn:schemas-microsoft-com:vml" Requires="v">
-                <p:oleObj spid="_x0000_s1121" name="Equation" r:id="rId8" imgW="660400" imgH="419100" progId="Equation.DSMT4">
+                <p:oleObj spid="_x0000_s656399" name="Equation" r:id="rId8" imgW="660400" imgH="419100" progId="Equation.DSMT4">
                   <p:embed/>
                 </p:oleObj>
               </mc:Choice>
@@ -6011,7 +8714,7 @@
           <p:nvPr>
             <p:extLst>
               <p:ext uri="{D42A27DB-BD31-4B8C-83A1-F6EECF244321}">
-                <p14:modId xmlns:p14="http://schemas.microsoft.com/office/powerpoint/2010/main" val="881090630"/>
+                <p14:modId xmlns:p14="http://schemas.microsoft.com/office/powerpoint/2010/main" val="565371"/>
               </p:ext>
             </p:extLst>
           </p:nvPr>
@@ -6024,7 +8727,7 @@
           <a:graphicData uri="http://schemas.openxmlformats.org/presentationml/2006/ole">
             <mc:AlternateContent xmlns:mc="http://schemas.openxmlformats.org/markup-compatibility/2006">
               <mc:Choice xmlns:v="urn:schemas-microsoft-com:vml" Requires="v">
-                <p:oleObj spid="_x0000_s1122" name="Equation" r:id="rId10" imgW="660400" imgH="419100" progId="Equation.DSMT4">
+                <p:oleObj spid="_x0000_s656400" name="Equation" r:id="rId10" imgW="660400" imgH="419100" progId="Equation.DSMT4">
                   <p:embed/>
                 </p:oleObj>
               </mc:Choice>
@@ -6075,7 +8778,7 @@
     </p:spTree>
     <p:extLst>
       <p:ext uri="{BB962C8B-B14F-4D97-AF65-F5344CB8AC3E}">
-        <p14:creationId xmlns:p14="http://schemas.microsoft.com/office/powerpoint/2010/main" val="2330829135"/>
+        <p14:creationId xmlns:p14="http://schemas.microsoft.com/office/powerpoint/2010/main" val="2446202224"/>
       </p:ext>
     </p:extLst>
   </p:cSld>
@@ -6398,7 +9101,7 @@
 </p:sld>
 </file>
 
-<file path=ppt/slides/slide14.xml><?xml version="1.0" encoding="utf-8"?>
+<file path=ppt/slides/slide19.xml><?xml version="1.0" encoding="utf-8"?>
 <p:sld xmlns:a="http://schemas.openxmlformats.org/drawingml/2006/main" xmlns:r="http://schemas.openxmlformats.org/officeDocument/2006/relationships" xmlns:p="http://schemas.openxmlformats.org/presentationml/2006/main">
   <p:cSld>
     <p:spTree>
@@ -6437,7 +9140,7 @@
             <a:fld id="{53D395A9-E7C7-4B11-83F8-7DDACDCBDC3E}" type="slidenum">
               <a:rPr lang="en-US" smtClean="0"/>
               <a:pPr/>
-              <a:t>14</a:t>
+              <a:t>19</a:t>
             </a:fld>
             <a:endParaRPr lang="en-US" dirty="0"/>
           </a:p>
@@ -6459,7 +9162,7 @@
           <a:graphicData uri="http://schemas.openxmlformats.org/presentationml/2006/ole">
             <mc:AlternateContent xmlns:mc="http://schemas.openxmlformats.org/markup-compatibility/2006">
               <mc:Choice xmlns:v="urn:schemas-microsoft-com:vml" Requires="v">
-                <p:oleObj spid="_x0000_s655400" name="Equation" r:id="rId4" imgW="2273040" imgH="469800" progId="Equation.DSMT4">
+                <p:oleObj spid="_x0000_s655406" name="Equation" r:id="rId4" imgW="2273040" imgH="469800" progId="Equation.DSMT4">
                   <p:embed/>
                 </p:oleObj>
               </mc:Choice>
@@ -7028,21 +9731,30 @@
                             </p:childTnLst>
                           </p:cTn>
                         </p:par>
+                      </p:childTnLst>
+                    </p:cTn>
+                  </p:par>
+                  <p:par>
+                    <p:cTn id="19" fill="hold">
+                      <p:stCondLst>
+                        <p:cond delay="indefinite"/>
+                      </p:stCondLst>
+                      <p:childTnLst>
                         <p:par>
-                          <p:cTn id="19" fill="hold">
+                          <p:cTn id="20" fill="hold">
                             <p:stCondLst>
-                              <p:cond delay="1000"/>
+                              <p:cond delay="0"/>
                             </p:stCondLst>
                             <p:childTnLst>
                               <p:par>
-                                <p:cTn id="20" presetID="1" presetClass="entr" presetSubtype="0" fill="hold" nodeType="afterEffect">
+                                <p:cTn id="21" presetID="10" presetClass="entr" presetSubtype="0" fill="hold" nodeType="clickEffect">
                                   <p:stCondLst>
-                                    <p:cond delay="1000"/>
+                                    <p:cond delay="0"/>
                                   </p:stCondLst>
                                   <p:childTnLst>
                                     <p:set>
                                       <p:cBhvr>
-                                        <p:cTn id="21" dur="1" fill="hold">
+                                        <p:cTn id="22" dur="1" fill="hold">
                                           <p:stCondLst>
                                             <p:cond delay="0"/>
                                           </p:stCondLst>
@@ -7062,27 +9774,48 @@
                                         <p:strVal val="visible"/>
                                       </p:to>
                                     </p:set>
+                                    <p:animEffect transition="in" filter="fade">
+                                      <p:cBhvr>
+                                        <p:cTn id="23" dur="500"/>
+                                        <p:tgtEl>
+                                          <p:spTgt spid="655367">
+                                            <p:txEl>
+                                              <p:pRg st="2" end="2"/>
+                                            </p:txEl>
+                                          </p:spTgt>
+                                        </p:tgtEl>
+                                      </p:cBhvr>
+                                    </p:animEffect>
                                   </p:childTnLst>
                                 </p:cTn>
                               </p:par>
                             </p:childTnLst>
                           </p:cTn>
                         </p:par>
+                      </p:childTnLst>
+                    </p:cTn>
+                  </p:par>
+                  <p:par>
+                    <p:cTn id="24" fill="hold">
+                      <p:stCondLst>
+                        <p:cond delay="indefinite"/>
+                      </p:stCondLst>
+                      <p:childTnLst>
                         <p:par>
-                          <p:cTn id="22" fill="hold">
+                          <p:cTn id="25" fill="hold">
                             <p:stCondLst>
-                              <p:cond delay="2000"/>
+                              <p:cond delay="0"/>
                             </p:stCondLst>
                             <p:childTnLst>
                               <p:par>
-                                <p:cTn id="23" presetID="23" presetClass="entr" presetSubtype="16" fill="hold" nodeType="afterEffect">
+                                <p:cTn id="26" presetID="23" presetClass="entr" presetSubtype="16" fill="hold" nodeType="clickEffect">
                                   <p:stCondLst>
-                                    <p:cond delay="1000"/>
+                                    <p:cond delay="0"/>
                                   </p:stCondLst>
                                   <p:childTnLst>
                                     <p:set>
                                       <p:cBhvr>
-                                        <p:cTn id="24" dur="1" fill="hold">
+                                        <p:cTn id="27" dur="1" fill="hold">
                                           <p:stCondLst>
                                             <p:cond delay="0"/>
                                           </p:stCondLst>
@@ -7104,7 +9837,7 @@
                                     </p:set>
                                     <p:anim calcmode="lin" valueType="num">
                                       <p:cBhvr>
-                                        <p:cTn id="25" dur="500" fill="hold"/>
+                                        <p:cTn id="28" dur="500" fill="hold"/>
                                         <p:tgtEl>
                                           <p:spTgt spid="655367">
                                             <p:txEl>
@@ -7131,7 +9864,7 @@
                                     </p:anim>
                                     <p:anim calcmode="lin" valueType="num">
                                       <p:cBhvr>
-                                        <p:cTn id="26" dur="500" fill="hold"/>
+                                        <p:cTn id="29" dur="500" fill="hold"/>
                                         <p:tgtEl>
                                           <p:spTgt spid="655367">
                                             <p:txEl>
@@ -9033,6 +11766,446 @@
 </p:sld>
 </file>
 
+<file path=ppt/slides/slide20.xml><?xml version="1.0" encoding="utf-8"?>
+<p:sld xmlns:a="http://schemas.openxmlformats.org/drawingml/2006/main" xmlns:r="http://schemas.openxmlformats.org/officeDocument/2006/relationships" xmlns:p="http://schemas.openxmlformats.org/presentationml/2006/main">
+  <p:cSld>
+    <p:spTree>
+      <p:nvGrpSpPr>
+        <p:cNvPr id="1" name=""/>
+        <p:cNvGrpSpPr/>
+        <p:nvPr/>
+      </p:nvGrpSpPr>
+      <p:grpSpPr>
+        <a:xfrm>
+          <a:off x="0" y="0"/>
+          <a:ext cx="0" cy="0"/>
+          <a:chOff x="0" y="0"/>
+          <a:chExt cx="0" cy="0"/>
+        </a:xfrm>
+      </p:grpSpPr>
+      <p:sp>
+        <p:nvSpPr>
+          <p:cNvPr id="2" name="Title 1"/>
+          <p:cNvSpPr>
+            <a:spLocks noGrp="1"/>
+          </p:cNvSpPr>
+          <p:nvPr>
+            <p:ph type="title"/>
+          </p:nvPr>
+        </p:nvSpPr>
+        <p:spPr/>
+        <p:txBody>
+          <a:bodyPr/>
+          <a:lstStyle/>
+          <a:p>
+            <a:r>
+              <a:rPr lang="en-US" sz="4000" dirty="0" smtClean="0"/>
+              <a:t>Why are surveys wrong?</a:t>
+            </a:r>
+            <a:endParaRPr lang="en-US" sz="4000" dirty="0"/>
+          </a:p>
+        </p:txBody>
+      </p:sp>
+      <p:sp>
+        <p:nvSpPr>
+          <p:cNvPr id="3" name="Content Placeholder 2"/>
+          <p:cNvSpPr>
+            <a:spLocks noGrp="1"/>
+          </p:cNvSpPr>
+          <p:nvPr>
+            <p:ph idx="1"/>
+          </p:nvPr>
+        </p:nvSpPr>
+        <p:spPr>
+          <a:xfrm>
+            <a:off x="515929" y="922669"/>
+            <a:ext cx="8125789" cy="4801840"/>
+          </a:xfrm>
+        </p:spPr>
+        <p:txBody>
+          <a:bodyPr/>
+          <a:lstStyle/>
+          <a:p>
+            <a:r>
+              <a:rPr lang="en-US" sz="5400" dirty="0" smtClean="0"/>
+              <a:t>Maybe people are </a:t>
+            </a:r>
+            <a:r>
+              <a:rPr lang="en-US" sz="5400" dirty="0" smtClean="0">
+                <a:solidFill>
+                  <a:srgbClr val="0000FF"/>
+                </a:solidFill>
+              </a:rPr>
+              <a:t>lying</a:t>
+            </a:r>
+            <a:r>
+              <a:rPr lang="en-US" sz="5400" dirty="0" smtClean="0"/>
+              <a:t>:</a:t>
+            </a:r>
+          </a:p>
+          <a:p>
+            <a:pPr marL="571500" indent="-571500">
+              <a:buFont typeface="Arial"/>
+              <a:buChar char="•"/>
+            </a:pPr>
+            <a:r>
+              <a:rPr lang="en-US" sz="5400" dirty="0" smtClean="0"/>
+              <a:t>Males exaggerate?</a:t>
+            </a:r>
+          </a:p>
+          <a:p>
+            <a:pPr marL="571500" indent="-571500">
+              <a:buFont typeface="Arial"/>
+              <a:buChar char="•"/>
+            </a:pPr>
+            <a:r>
+              <a:rPr lang="en-US" sz="5400" dirty="0" smtClean="0"/>
+              <a:t>Females deny?</a:t>
+            </a:r>
+          </a:p>
+          <a:p>
+            <a:pPr marL="0" indent="0"/>
+            <a:r>
+              <a:rPr lang="en-US" sz="4800" dirty="0" smtClean="0"/>
+              <a:t>Maybe Males have partners </a:t>
+            </a:r>
+            <a:r>
+              <a:rPr lang="en-US" sz="5400" dirty="0" smtClean="0">
+                <a:solidFill>
+                  <a:srgbClr val="0000FF"/>
+                </a:solidFill>
+              </a:rPr>
+              <a:t>outside the study</a:t>
+            </a:r>
+            <a:endParaRPr lang="en-US" sz="4800" dirty="0">
+              <a:solidFill>
+                <a:srgbClr val="0000FF"/>
+              </a:solidFill>
+            </a:endParaRPr>
+          </a:p>
+        </p:txBody>
+      </p:sp>
+      <p:sp>
+        <p:nvSpPr>
+          <p:cNvPr id="4" name="Slide Number Placeholder 3"/>
+          <p:cNvSpPr>
+            <a:spLocks noGrp="1"/>
+          </p:cNvSpPr>
+          <p:nvPr>
+            <p:ph type="sldNum" sz="quarter" idx="10"/>
+          </p:nvPr>
+        </p:nvSpPr>
+        <p:spPr/>
+        <p:txBody>
+          <a:bodyPr/>
+          <a:lstStyle/>
+          <a:p>
+            <a:r>
+              <a:rPr lang="en-US" smtClean="0"/>
+              <a:t>sexgraph.</a:t>
+            </a:r>
+            <a:fld id="{96F619E6-6DF7-40A3-ABA3-08075F9C9DE7}" type="slidenum">
+              <a:rPr lang="en-US" smtClean="0"/>
+              <a:pPr/>
+              <a:t>20</a:t>
+            </a:fld>
+            <a:endParaRPr lang="en-US" dirty="0"/>
+          </a:p>
+        </p:txBody>
+      </p:sp>
+    </p:spTree>
+    <p:extLst>
+      <p:ext uri="{BB962C8B-B14F-4D97-AF65-F5344CB8AC3E}">
+        <p14:creationId xmlns:p14="http://schemas.microsoft.com/office/powerpoint/2010/main" val="813939678"/>
+      </p:ext>
+    </p:extLst>
+  </p:cSld>
+  <p:clrMapOvr>
+    <a:masterClrMapping/>
+  </p:clrMapOvr>
+  <p:transition xmlns:p14="http://schemas.microsoft.com/office/powerpoint/2010/main" spd="slow">
+    <p:fade thruBlk="1"/>
+  </p:transition>
+  <p:timing>
+    <p:tnLst>
+      <p:par>
+        <p:cTn xmlns:p14="http://schemas.microsoft.com/office/powerpoint/2010/main" id="1" dur="indefinite" restart="never" nodeType="tmRoot">
+          <p:childTnLst>
+            <p:seq concurrent="1" nextAc="seek">
+              <p:cTn id="2" dur="indefinite" nodeType="mainSeq">
+                <p:childTnLst>
+                  <p:par>
+                    <p:cTn id="3" fill="hold">
+                      <p:stCondLst>
+                        <p:cond delay="indefinite"/>
+                      </p:stCondLst>
+                      <p:childTnLst>
+                        <p:par>
+                          <p:cTn id="4" fill="hold">
+                            <p:stCondLst>
+                              <p:cond delay="0"/>
+                            </p:stCondLst>
+                            <p:childTnLst>
+                              <p:par>
+                                <p:cTn id="5" presetID="10" presetClass="entr" presetSubtype="0" fill="hold" grpId="0" nodeType="clickEffect">
+                                  <p:stCondLst>
+                                    <p:cond delay="0"/>
+                                  </p:stCondLst>
+                                  <p:childTnLst>
+                                    <p:set>
+                                      <p:cBhvr>
+                                        <p:cTn id="6" dur="1" fill="hold">
+                                          <p:stCondLst>
+                                            <p:cond delay="0"/>
+                                          </p:stCondLst>
+                                        </p:cTn>
+                                        <p:tgtEl>
+                                          <p:spTgt spid="3">
+                                            <p:txEl>
+                                              <p:pRg st="0" end="0"/>
+                                            </p:txEl>
+                                          </p:spTgt>
+                                        </p:tgtEl>
+                                        <p:attrNameLst>
+                                          <p:attrName>style.visibility</p:attrName>
+                                        </p:attrNameLst>
+                                      </p:cBhvr>
+                                      <p:to>
+                                        <p:strVal val="visible"/>
+                                      </p:to>
+                                    </p:set>
+                                    <p:animEffect transition="in" filter="fade">
+                                      <p:cBhvr>
+                                        <p:cTn id="7" dur="500"/>
+                                        <p:tgtEl>
+                                          <p:spTgt spid="3">
+                                            <p:txEl>
+                                              <p:pRg st="0" end="0"/>
+                                            </p:txEl>
+                                          </p:spTgt>
+                                        </p:tgtEl>
+                                      </p:cBhvr>
+                                    </p:animEffect>
+                                  </p:childTnLst>
+                                </p:cTn>
+                              </p:par>
+                            </p:childTnLst>
+                          </p:cTn>
+                        </p:par>
+                      </p:childTnLst>
+                    </p:cTn>
+                  </p:par>
+                  <p:par>
+                    <p:cTn id="8" fill="hold">
+                      <p:stCondLst>
+                        <p:cond delay="indefinite"/>
+                      </p:stCondLst>
+                      <p:childTnLst>
+                        <p:par>
+                          <p:cTn id="9" fill="hold">
+                            <p:stCondLst>
+                              <p:cond delay="0"/>
+                            </p:stCondLst>
+                            <p:childTnLst>
+                              <p:par>
+                                <p:cTn id="10" presetID="10" presetClass="entr" presetSubtype="0" fill="hold" grpId="0" nodeType="clickEffect">
+                                  <p:stCondLst>
+                                    <p:cond delay="0"/>
+                                  </p:stCondLst>
+                                  <p:childTnLst>
+                                    <p:set>
+                                      <p:cBhvr>
+                                        <p:cTn id="11" dur="1" fill="hold">
+                                          <p:stCondLst>
+                                            <p:cond delay="0"/>
+                                          </p:stCondLst>
+                                        </p:cTn>
+                                        <p:tgtEl>
+                                          <p:spTgt spid="3">
+                                            <p:txEl>
+                                              <p:pRg st="1" end="1"/>
+                                            </p:txEl>
+                                          </p:spTgt>
+                                        </p:tgtEl>
+                                        <p:attrNameLst>
+                                          <p:attrName>style.visibility</p:attrName>
+                                        </p:attrNameLst>
+                                      </p:cBhvr>
+                                      <p:to>
+                                        <p:strVal val="visible"/>
+                                      </p:to>
+                                    </p:set>
+                                    <p:animEffect transition="in" filter="fade">
+                                      <p:cBhvr>
+                                        <p:cTn id="12" dur="500"/>
+                                        <p:tgtEl>
+                                          <p:spTgt spid="3">
+                                            <p:txEl>
+                                              <p:pRg st="1" end="1"/>
+                                            </p:txEl>
+                                          </p:spTgt>
+                                        </p:tgtEl>
+                                      </p:cBhvr>
+                                    </p:animEffect>
+                                  </p:childTnLst>
+                                </p:cTn>
+                              </p:par>
+                            </p:childTnLst>
+                          </p:cTn>
+                        </p:par>
+                      </p:childTnLst>
+                    </p:cTn>
+                  </p:par>
+                  <p:par>
+                    <p:cTn id="13" fill="hold">
+                      <p:stCondLst>
+                        <p:cond delay="indefinite"/>
+                      </p:stCondLst>
+                      <p:childTnLst>
+                        <p:par>
+                          <p:cTn id="14" fill="hold">
+                            <p:stCondLst>
+                              <p:cond delay="0"/>
+                            </p:stCondLst>
+                            <p:childTnLst>
+                              <p:par>
+                                <p:cTn id="15" presetID="10" presetClass="entr" presetSubtype="0" fill="hold" grpId="0" nodeType="clickEffect">
+                                  <p:stCondLst>
+                                    <p:cond delay="0"/>
+                                  </p:stCondLst>
+                                  <p:childTnLst>
+                                    <p:set>
+                                      <p:cBhvr>
+                                        <p:cTn id="16" dur="1" fill="hold">
+                                          <p:stCondLst>
+                                            <p:cond delay="0"/>
+                                          </p:stCondLst>
+                                        </p:cTn>
+                                        <p:tgtEl>
+                                          <p:spTgt spid="3">
+                                            <p:txEl>
+                                              <p:pRg st="2" end="2"/>
+                                            </p:txEl>
+                                          </p:spTgt>
+                                        </p:tgtEl>
+                                        <p:attrNameLst>
+                                          <p:attrName>style.visibility</p:attrName>
+                                        </p:attrNameLst>
+                                      </p:cBhvr>
+                                      <p:to>
+                                        <p:strVal val="visible"/>
+                                      </p:to>
+                                    </p:set>
+                                    <p:animEffect transition="in" filter="fade">
+                                      <p:cBhvr>
+                                        <p:cTn id="17" dur="500"/>
+                                        <p:tgtEl>
+                                          <p:spTgt spid="3">
+                                            <p:txEl>
+                                              <p:pRg st="2" end="2"/>
+                                            </p:txEl>
+                                          </p:spTgt>
+                                        </p:tgtEl>
+                                      </p:cBhvr>
+                                    </p:animEffect>
+                                  </p:childTnLst>
+                                </p:cTn>
+                              </p:par>
+                            </p:childTnLst>
+                          </p:cTn>
+                        </p:par>
+                      </p:childTnLst>
+                    </p:cTn>
+                  </p:par>
+                  <p:par>
+                    <p:cTn id="18" fill="hold">
+                      <p:stCondLst>
+                        <p:cond delay="indefinite"/>
+                      </p:stCondLst>
+                      <p:childTnLst>
+                        <p:par>
+                          <p:cTn id="19" fill="hold">
+                            <p:stCondLst>
+                              <p:cond delay="0"/>
+                            </p:stCondLst>
+                            <p:childTnLst>
+                              <p:par>
+                                <p:cTn id="20" presetID="10" presetClass="entr" presetSubtype="0" fill="hold" grpId="0" nodeType="clickEffect">
+                                  <p:stCondLst>
+                                    <p:cond delay="0"/>
+                                  </p:stCondLst>
+                                  <p:childTnLst>
+                                    <p:set>
+                                      <p:cBhvr>
+                                        <p:cTn id="21" dur="1" fill="hold">
+                                          <p:stCondLst>
+                                            <p:cond delay="0"/>
+                                          </p:stCondLst>
+                                        </p:cTn>
+                                        <p:tgtEl>
+                                          <p:spTgt spid="3">
+                                            <p:txEl>
+                                              <p:pRg st="3" end="3"/>
+                                            </p:txEl>
+                                          </p:spTgt>
+                                        </p:tgtEl>
+                                        <p:attrNameLst>
+                                          <p:attrName>style.visibility</p:attrName>
+                                        </p:attrNameLst>
+                                      </p:cBhvr>
+                                      <p:to>
+                                        <p:strVal val="visible"/>
+                                      </p:to>
+                                    </p:set>
+                                    <p:animEffect transition="in" filter="fade">
+                                      <p:cBhvr>
+                                        <p:cTn id="22" dur="500"/>
+                                        <p:tgtEl>
+                                          <p:spTgt spid="3">
+                                            <p:txEl>
+                                              <p:pRg st="3" end="3"/>
+                                            </p:txEl>
+                                          </p:spTgt>
+                                        </p:tgtEl>
+                                      </p:cBhvr>
+                                    </p:animEffect>
+                                  </p:childTnLst>
+                                </p:cTn>
+                              </p:par>
+                            </p:childTnLst>
+                          </p:cTn>
+                        </p:par>
+                      </p:childTnLst>
+                    </p:cTn>
+                  </p:par>
+                </p:childTnLst>
+              </p:cTn>
+              <p:prevCondLst>
+                <p:cond evt="onPrev" delay="0">
+                  <p:tgtEl>
+                    <p:sldTgt/>
+                  </p:tgtEl>
+                </p:cond>
+              </p:prevCondLst>
+              <p:nextCondLst>
+                <p:cond evt="onNext" delay="0">
+                  <p:tgtEl>
+                    <p:sldTgt/>
+                  </p:tgtEl>
+                </p:cond>
+              </p:nextCondLst>
+            </p:seq>
+          </p:childTnLst>
+        </p:cTn>
+      </p:par>
+    </p:tnLst>
+    <p:bldLst>
+      <p:bldP spid="3" grpId="0" build="p"/>
+    </p:bldLst>
+  </p:timing>
+</p:sld>
+</file>
+
 <file path=ppt/slides/slide3.xml><?xml version="1.0" encoding="utf-8"?>
 <p:sld xmlns:a="http://schemas.openxmlformats.org/drawingml/2006/main" xmlns:r="http://schemas.openxmlformats.org/officeDocument/2006/relationships" xmlns:p="http://schemas.openxmlformats.org/presentationml/2006/main">
   <p:cSld>
@@ -10807,13 +13980,13 @@
   <p:clrMapOvr>
     <a:masterClrMapping/>
   </p:clrMapOvr>
-  <mc:AlternateContent xmlns:mc="http://schemas.openxmlformats.org/markup-compatibility/2006">
-    <mc:Choice xmlns:p14="http://schemas.microsoft.com/office/powerpoint/2010/main" Requires="p14">
+  <mc:AlternateContent xmlns:mc="http://schemas.openxmlformats.org/markup-compatibility/2006" xmlns:p14="http://schemas.microsoft.com/office/powerpoint/2010/main">
+    <mc:Choice Requires="p14">
       <p:transition spd="slow" p14:dur="800" advClick="0">
         <p:fade/>
       </p:transition>
     </mc:Choice>
-    <mc:Fallback>
+    <mc:Fallback xmlns="">
       <p:transition xmlns:p14="http://schemas.microsoft.com/office/powerpoint/2010/main" spd="slow" advClick="0">
         <p:fade/>
       </p:transition>
@@ -15680,7 +18853,7 @@
           <a:graphicData uri="http://schemas.openxmlformats.org/presentationml/2006/ole">
             <mc:AlternateContent xmlns:mc="http://schemas.openxmlformats.org/markup-compatibility/2006">
               <mc:Choice xmlns:v="urn:schemas-microsoft-com:vml" Requires="v">
-                <p:oleObj spid="_x0000_s575529" name="Equation" r:id="rId4" imgW="1346040" imgH="406080" progId="Equation.DSMT4">
+                <p:oleObj spid="_x0000_s575535" name="Equation" r:id="rId4" imgW="1346040" imgH="406080" progId="Equation.DSMT4">
                   <p:embed/>
                 </p:oleObj>
               </mc:Choice>
